--- a/2.核心协议/assets/演示文稿1.pptx
+++ b/2.核心协议/assets/演示文稿1.pptx
@@ -259,7 +259,7 @@
           <a:p>
             <a:fld id="{4A8CECDD-B6AC-4AB7-A2F4-ECA006554B13}" type="datetimeFigureOut">
               <a:rPr lang="zh-CN" altLang="en-US" smtClean="0"/>
-              <a:t>2023-2-2</a:t>
+              <a:t>2023-10-20</a:t>
             </a:fld>
             <a:endParaRPr lang="zh-CN" altLang="en-US"/>
           </a:p>
@@ -457,7 +457,7 @@
           <a:p>
             <a:fld id="{4A8CECDD-B6AC-4AB7-A2F4-ECA006554B13}" type="datetimeFigureOut">
               <a:rPr lang="zh-CN" altLang="en-US" smtClean="0"/>
-              <a:t>2023-2-2</a:t>
+              <a:t>2023-10-20</a:t>
             </a:fld>
             <a:endParaRPr lang="zh-CN" altLang="en-US"/>
           </a:p>
@@ -665,7 +665,7 @@
           <a:p>
             <a:fld id="{4A8CECDD-B6AC-4AB7-A2F4-ECA006554B13}" type="datetimeFigureOut">
               <a:rPr lang="zh-CN" altLang="en-US" smtClean="0"/>
-              <a:t>2023-2-2</a:t>
+              <a:t>2023-10-20</a:t>
             </a:fld>
             <a:endParaRPr lang="zh-CN" altLang="en-US"/>
           </a:p>
@@ -863,7 +863,7 @@
           <a:p>
             <a:fld id="{4A8CECDD-B6AC-4AB7-A2F4-ECA006554B13}" type="datetimeFigureOut">
               <a:rPr lang="zh-CN" altLang="en-US" smtClean="0"/>
-              <a:t>2023-2-2</a:t>
+              <a:t>2023-10-20</a:t>
             </a:fld>
             <a:endParaRPr lang="zh-CN" altLang="en-US"/>
           </a:p>
@@ -1138,7 +1138,7 @@
           <a:p>
             <a:fld id="{4A8CECDD-B6AC-4AB7-A2F4-ECA006554B13}" type="datetimeFigureOut">
               <a:rPr lang="zh-CN" altLang="en-US" smtClean="0"/>
-              <a:t>2023-2-2</a:t>
+              <a:t>2023-10-20</a:t>
             </a:fld>
             <a:endParaRPr lang="zh-CN" altLang="en-US"/>
           </a:p>
@@ -1403,7 +1403,7 @@
           <a:p>
             <a:fld id="{4A8CECDD-B6AC-4AB7-A2F4-ECA006554B13}" type="datetimeFigureOut">
               <a:rPr lang="zh-CN" altLang="en-US" smtClean="0"/>
-              <a:t>2023-2-2</a:t>
+              <a:t>2023-10-20</a:t>
             </a:fld>
             <a:endParaRPr lang="zh-CN" altLang="en-US"/>
           </a:p>
@@ -1815,7 +1815,7 @@
           <a:p>
             <a:fld id="{4A8CECDD-B6AC-4AB7-A2F4-ECA006554B13}" type="datetimeFigureOut">
               <a:rPr lang="zh-CN" altLang="en-US" smtClean="0"/>
-              <a:t>2023-2-2</a:t>
+              <a:t>2023-10-20</a:t>
             </a:fld>
             <a:endParaRPr lang="zh-CN" altLang="en-US"/>
           </a:p>
@@ -1956,7 +1956,7 @@
           <a:p>
             <a:fld id="{4A8CECDD-B6AC-4AB7-A2F4-ECA006554B13}" type="datetimeFigureOut">
               <a:rPr lang="zh-CN" altLang="en-US" smtClean="0"/>
-              <a:t>2023-2-2</a:t>
+              <a:t>2023-10-20</a:t>
             </a:fld>
             <a:endParaRPr lang="zh-CN" altLang="en-US"/>
           </a:p>
@@ -2069,7 +2069,7 @@
           <a:p>
             <a:fld id="{4A8CECDD-B6AC-4AB7-A2F4-ECA006554B13}" type="datetimeFigureOut">
               <a:rPr lang="zh-CN" altLang="en-US" smtClean="0"/>
-              <a:t>2023-2-2</a:t>
+              <a:t>2023-10-20</a:t>
             </a:fld>
             <a:endParaRPr lang="zh-CN" altLang="en-US"/>
           </a:p>
@@ -2380,7 +2380,7 @@
           <a:p>
             <a:fld id="{4A8CECDD-B6AC-4AB7-A2F4-ECA006554B13}" type="datetimeFigureOut">
               <a:rPr lang="zh-CN" altLang="en-US" smtClean="0"/>
-              <a:t>2023-2-2</a:t>
+              <a:t>2023-10-20</a:t>
             </a:fld>
             <a:endParaRPr lang="zh-CN" altLang="en-US"/>
           </a:p>
@@ -2668,7 +2668,7 @@
           <a:p>
             <a:fld id="{4A8CECDD-B6AC-4AB7-A2F4-ECA006554B13}" type="datetimeFigureOut">
               <a:rPr lang="zh-CN" altLang="en-US" smtClean="0"/>
-              <a:t>2023-2-2</a:t>
+              <a:t>2023-10-20</a:t>
             </a:fld>
             <a:endParaRPr lang="zh-CN" altLang="en-US"/>
           </a:p>
@@ -2909,7 +2909,7 @@
           <a:p>
             <a:fld id="{4A8CECDD-B6AC-4AB7-A2F4-ECA006554B13}" type="datetimeFigureOut">
               <a:rPr lang="zh-CN" altLang="en-US" smtClean="0"/>
-              <a:t>2023-2-2</a:t>
+              <a:t>2023-10-20</a:t>
             </a:fld>
             <a:endParaRPr lang="zh-CN" altLang="en-US"/>
           </a:p>
@@ -3326,1575 +3326,36 @@
           <a:chExt cx="0" cy="0"/>
         </a:xfrm>
       </p:grpSpPr>
-      <mc:AlternateContent xmlns:mc="http://schemas.openxmlformats.org/markup-compatibility/2006">
-        <mc:Choice xmlns:am3d="http://schemas.microsoft.com/office/drawing/2017/model3d" Requires="am3d">
-          <p:graphicFrame>
-            <p:nvGraphicFramePr>
-              <p:cNvPr id="22" name="3D 模型 21" descr="Domes And Pinacoid Blue">
-                <a:extLst>
-                  <a:ext uri="{FF2B5EF4-FFF2-40B4-BE49-F238E27FC236}">
-                    <a16:creationId xmlns:a16="http://schemas.microsoft.com/office/drawing/2014/main" id="{36CA6795-F26C-FAF2-C62D-5DD1EB4FA07C}"/>
-                  </a:ext>
-                </a:extLst>
-              </p:cNvPr>
-              <p:cNvGraphicFramePr>
-                <a:graphicFrameLocks noChangeAspect="1"/>
-              </p:cNvGraphicFramePr>
-              <p:nvPr>
-                <p:extLst>
-                  <p:ext uri="{D42A27DB-BD31-4B8C-83A1-F6EECF244321}">
-                    <p14:modId xmlns:p14="http://schemas.microsoft.com/office/powerpoint/2010/main" val="408050094"/>
-                  </p:ext>
-                </p:extLst>
-              </p:nvPr>
-            </p:nvGraphicFramePr>
-            <p:xfrm>
-              <a:off x="7194835" y="1742588"/>
-              <a:ext cx="2576222" cy="1374179"/>
-            </p:xfrm>
-            <a:graphic>
-              <a:graphicData uri="http://schemas.microsoft.com/office/drawing/2017/model3d">
-                <am3d:model3d r:embed="rId2">
-                  <am3d:spPr>
-                    <a:xfrm>
-                      <a:off x="0" y="0"/>
-                      <a:ext cx="2576222" cy="1374179"/>
-                    </a:xfrm>
-                    <a:prstGeom prst="rect">
-                      <a:avLst/>
-                    </a:prstGeom>
-                  </am3d:spPr>
-                  <am3d:camera>
-                    <am3d:pos x="0" y="0" z="61634510"/>
-                    <am3d:up dx="0" dy="36000000" dz="0"/>
-                    <am3d:lookAt x="0" y="0" z="0"/>
-                    <am3d:perspective fov="2700000"/>
-                  </am3d:camera>
-                  <am3d:trans>
-                    <am3d:meterPerModelUnit n="105404" d="1000000"/>
-                    <am3d:preTrans dx="-38771" dy="-6202928" dz="0"/>
-                    <am3d:scale>
-                      <am3d:sx n="1000000" d="1000000"/>
-                      <am3d:sy n="1000000" d="1000000"/>
-                      <am3d:sz n="1000000" d="1000000"/>
-                    </am3d:scale>
-                    <am3d:rot ax="-537882" ay="1495365" az="-228191"/>
-                    <am3d:postTrans dx="0" dy="0" dz="0"/>
-                  </am3d:trans>
-                  <am3d:raster rName="Office3DRenderer" rVer="16.0.8326">
-                    <am3d:blip r:embed="rId3"/>
-                  </am3d:raster>
-                  <am3d:objViewport viewportSz="2683864"/>
-                  <am3d:ambientLight>
-                    <am3d:clr>
-                      <a:scrgbClr r="50000" g="50000" b="50000"/>
-                    </am3d:clr>
-                    <am3d:illuminance n="500000" d="1000000"/>
-                  </am3d:ambientLight>
-                  <am3d:ptLight rad="0">
-                    <am3d:clr>
-                      <a:scrgbClr r="100000" g="75000" b="50000"/>
-                    </am3d:clr>
-                    <am3d:intensity n="9765625" d="1000000"/>
-                    <am3d:pos x="21959998" y="70920001" z="16344003"/>
-                  </am3d:ptLight>
-                  <am3d:ptLight rad="0">
-                    <am3d:clr>
-                      <a:scrgbClr r="40000" g="60000" b="95000"/>
-                    </am3d:clr>
-                    <am3d:intensity n="12250000" d="1000000"/>
-                    <am3d:pos x="-37964106" y="51130435" z="57631972"/>
-                  </am3d:ptLight>
-                  <am3d:ptLight rad="0">
-                    <am3d:clr>
-                      <a:scrgbClr r="86837" g="72700" b="100000"/>
-                    </am3d:clr>
-                    <am3d:intensity n="3125000" d="1000000"/>
-                    <am3d:pos x="-37739122" y="58056624" z="-34769649"/>
-                  </am3d:ptLight>
-                </am3d:model3d>
-              </a:graphicData>
-            </a:graphic>
-          </p:graphicFrame>
-        </mc:Choice>
-        <mc:Fallback>
-          <p:pic>
-            <p:nvPicPr>
-              <p:cNvPr id="22" name="3D 模型 21" descr="Domes And Pinacoid Blue">
-                <a:extLst>
-                  <a:ext uri="{FF2B5EF4-FFF2-40B4-BE49-F238E27FC236}">
-                    <a16:creationId xmlns:a16="http://schemas.microsoft.com/office/drawing/2014/main" id="{36CA6795-F26C-FAF2-C62D-5DD1EB4FA07C}"/>
-                  </a:ext>
-                </a:extLst>
-              </p:cNvPr>
-              <p:cNvPicPr>
-                <a:picLocks noGrp="1" noRot="1" noChangeAspect="1" noMove="1" noResize="1" noEditPoints="1" noAdjustHandles="1" noChangeArrowheads="1" noChangeShapeType="1" noCrop="1"/>
-              </p:cNvPicPr>
-              <p:nvPr/>
-            </p:nvPicPr>
-            <p:blipFill>
-              <a:blip r:embed="rId3"/>
-              <a:stretch>
-                <a:fillRect/>
-              </a:stretch>
-            </p:blipFill>
-            <p:spPr>
-              <a:xfrm>
-                <a:off x="7194835" y="1742588"/>
-                <a:ext cx="2576222" cy="1374179"/>
-              </a:xfrm>
-              <a:prstGeom prst="rect">
-                <a:avLst/>
-              </a:prstGeom>
-            </p:spPr>
-          </p:pic>
-        </mc:Fallback>
-      </mc:AlternateContent>
-      <p:sp>
-        <p:nvSpPr>
-          <p:cNvPr id="5" name="矩形 4">
-            <a:extLst>
-              <a:ext uri="{FF2B5EF4-FFF2-40B4-BE49-F238E27FC236}">
-                <a16:creationId xmlns:a16="http://schemas.microsoft.com/office/drawing/2014/main" id="{77611818-26F0-512A-8F87-C55AE4A21687}"/>
-              </a:ext>
-            </a:extLst>
-          </p:cNvPr>
-          <p:cNvSpPr/>
+      <p:pic>
+        <p:nvPicPr>
+          <p:cNvPr id="29" name="图片 28">
+            <a:extLst>
+              <a:ext uri="{FF2B5EF4-FFF2-40B4-BE49-F238E27FC236}">
+                <a16:creationId xmlns:a16="http://schemas.microsoft.com/office/drawing/2014/main" id="{454A449B-2423-DF33-45FB-FF6B41F6ACB6}"/>
+              </a:ext>
+            </a:extLst>
+          </p:cNvPr>
+          <p:cNvPicPr>
+            <a:picLocks noChangeAspect="1"/>
+          </p:cNvPicPr>
           <p:nvPr/>
-        </p:nvSpPr>
+        </p:nvPicPr>
+        <p:blipFill>
+          <a:blip r:embed="rId2"/>
+          <a:stretch>
+            <a:fillRect/>
+          </a:stretch>
+        </p:blipFill>
         <p:spPr>
-          <a:xfrm rot="156595">
-            <a:off x="7679219" y="1978358"/>
-            <a:ext cx="2031325" cy="646331"/>
+          <a:xfrm>
+            <a:off x="796871" y="-37195"/>
+            <a:ext cx="10023530" cy="5191585"/>
           </a:xfrm>
           <a:prstGeom prst="rect">
             <a:avLst/>
           </a:prstGeom>
-          <a:noFill/>
         </p:spPr>
-        <p:txBody>
-          <a:bodyPr wrap="none" lIns="91440" tIns="45720" rIns="91440" bIns="45720">
-            <a:spAutoFit/>
-          </a:bodyPr>
-          <a:lstStyle/>
-          <a:p>
-            <a:pPr algn="ctr"/>
-            <a:r>
-              <a:rPr lang="zh-CN" altLang="en-US" sz="3600" dirty="0">
-                <a:ln w="0"/>
-                <a:solidFill>
-                  <a:schemeClr val="bg1"/>
-                </a:solidFill>
-                <a:effectLst>
-                  <a:outerShdw blurRad="38100" dist="25400" dir="5400000" algn="ctr" rotWithShape="0">
-                    <a:srgbClr val="6E747A">
-                      <a:alpha val="43000"/>
-                    </a:srgbClr>
-                  </a:outerShdw>
-                </a:effectLst>
-              </a:rPr>
-              <a:t>消息路由</a:t>
-            </a:r>
-          </a:p>
-        </p:txBody>
-      </p:sp>
-      <mc:AlternateContent xmlns:mc="http://schemas.openxmlformats.org/markup-compatibility/2006">
-        <mc:Choice xmlns:am3d="http://schemas.microsoft.com/office/drawing/2017/model3d" Requires="am3d">
-          <p:graphicFrame>
-            <p:nvGraphicFramePr>
-              <p:cNvPr id="21" name="3D 模型 20" descr="Domes And Pinacoid Blue">
-                <a:extLst>
-                  <a:ext uri="{FF2B5EF4-FFF2-40B4-BE49-F238E27FC236}">
-                    <a16:creationId xmlns:a16="http://schemas.microsoft.com/office/drawing/2014/main" id="{58093FC7-9870-7D47-C30A-2796267368CE}"/>
-                  </a:ext>
-                </a:extLst>
-              </p:cNvPr>
-              <p:cNvGraphicFramePr>
-                <a:graphicFrameLocks noChangeAspect="1"/>
-              </p:cNvGraphicFramePr>
-              <p:nvPr>
-                <p:extLst>
-                  <p:ext uri="{D42A27DB-BD31-4B8C-83A1-F6EECF244321}">
-                    <p14:modId xmlns:p14="http://schemas.microsoft.com/office/powerpoint/2010/main" val="3570129571"/>
-                  </p:ext>
-                </p:extLst>
-              </p:nvPr>
-            </p:nvGraphicFramePr>
-            <p:xfrm>
-              <a:off x="7174007" y="3079056"/>
-              <a:ext cx="2565033" cy="1089110"/>
-            </p:xfrm>
-            <a:graphic>
-              <a:graphicData uri="http://schemas.microsoft.com/office/drawing/2017/model3d">
-                <am3d:model3d r:embed="rId2">
-                  <am3d:spPr>
-                    <a:xfrm>
-                      <a:off x="0" y="0"/>
-                      <a:ext cx="2565033" cy="1089110"/>
-                    </a:xfrm>
-                    <a:prstGeom prst="rect">
-                      <a:avLst/>
-                    </a:prstGeom>
-                  </am3d:spPr>
-                  <am3d:camera>
-                    <am3d:pos x="0" y="0" z="61634510"/>
-                    <am3d:up dx="0" dy="36000000" dz="0"/>
-                    <am3d:lookAt x="0" y="0" z="0"/>
-                    <am3d:perspective fov="2700000"/>
-                  </am3d:camera>
-                  <am3d:trans>
-                    <am3d:meterPerModelUnit n="105404" d="1000000"/>
-                    <am3d:preTrans dx="-38771" dy="-6202928" dz="0"/>
-                    <am3d:scale>
-                      <am3d:sx n="1000000" d="1000000"/>
-                      <am3d:sy n="1000000" d="1000000"/>
-                      <am3d:sz n="1000000" d="1000000"/>
-                    </am3d:scale>
-                    <am3d:rot ax="-164203" ay="1384011" az="-64380"/>
-                    <am3d:postTrans dx="0" dy="0" dz="0"/>
-                  </am3d:trans>
-                  <am3d:raster rName="Office3DRenderer" rVer="16.0.8326">
-                    <am3d:blip r:embed="rId4"/>
-                  </am3d:raster>
-                  <am3d:objViewport viewportSz="2683865"/>
-                  <am3d:ambientLight>
-                    <am3d:clr>
-                      <a:scrgbClr r="50000" g="50000" b="50000"/>
-                    </am3d:clr>
-                    <am3d:illuminance n="500000" d="1000000"/>
-                  </am3d:ambientLight>
-                  <am3d:ptLight rad="0">
-                    <am3d:clr>
-                      <a:scrgbClr r="100000" g="75000" b="50000"/>
-                    </am3d:clr>
-                    <am3d:intensity n="9765625" d="1000000"/>
-                    <am3d:pos x="21959998" y="70920001" z="16344003"/>
-                  </am3d:ptLight>
-                  <am3d:ptLight rad="0">
-                    <am3d:clr>
-                      <a:scrgbClr r="40000" g="60000" b="95000"/>
-                    </am3d:clr>
-                    <am3d:intensity n="12250000" d="1000000"/>
-                    <am3d:pos x="-37964106" y="51130435" z="57631972"/>
-                  </am3d:ptLight>
-                  <am3d:ptLight rad="0">
-                    <am3d:clr>
-                      <a:scrgbClr r="86837" g="72700" b="100000"/>
-                    </am3d:clr>
-                    <am3d:intensity n="3125000" d="1000000"/>
-                    <am3d:pos x="-37739122" y="58056624" z="-34769649"/>
-                  </am3d:ptLight>
-                </am3d:model3d>
-              </a:graphicData>
-            </a:graphic>
-          </p:graphicFrame>
-        </mc:Choice>
-        <mc:Fallback>
-          <p:pic>
-            <p:nvPicPr>
-              <p:cNvPr id="21" name="3D 模型 20" descr="Domes And Pinacoid Blue">
-                <a:extLst>
-                  <a:ext uri="{FF2B5EF4-FFF2-40B4-BE49-F238E27FC236}">
-                    <a16:creationId xmlns:a16="http://schemas.microsoft.com/office/drawing/2014/main" id="{58093FC7-9870-7D47-C30A-2796267368CE}"/>
-                  </a:ext>
-                </a:extLst>
-              </p:cNvPr>
-              <p:cNvPicPr>
-                <a:picLocks noGrp="1" noRot="1" noChangeAspect="1" noMove="1" noResize="1" noEditPoints="1" noAdjustHandles="1" noChangeArrowheads="1" noChangeShapeType="1" noCrop="1"/>
-              </p:cNvPicPr>
-              <p:nvPr/>
-            </p:nvPicPr>
-            <p:blipFill>
-              <a:blip r:embed="rId4"/>
-              <a:stretch>
-                <a:fillRect/>
-              </a:stretch>
-            </p:blipFill>
-            <p:spPr>
-              <a:xfrm>
-                <a:off x="7174007" y="3079056"/>
-                <a:ext cx="2565033" cy="1089110"/>
-              </a:xfrm>
-              <a:prstGeom prst="rect">
-                <a:avLst/>
-              </a:prstGeom>
-            </p:spPr>
-          </p:pic>
-        </mc:Fallback>
-      </mc:AlternateContent>
-      <p:sp>
-        <p:nvSpPr>
-          <p:cNvPr id="4" name="矩形 3">
-            <a:extLst>
-              <a:ext uri="{FF2B5EF4-FFF2-40B4-BE49-F238E27FC236}">
-                <a16:creationId xmlns:a16="http://schemas.microsoft.com/office/drawing/2014/main" id="{A83286A5-06BA-3A8B-982A-7A4AE40E0C43}"/>
-              </a:ext>
-            </a:extLst>
-          </p:cNvPr>
-          <p:cNvSpPr/>
-          <p:nvPr/>
-        </p:nvSpPr>
-        <p:spPr>
-          <a:xfrm>
-            <a:off x="7965438" y="3211904"/>
-            <a:ext cx="1210588" cy="707886"/>
-          </a:xfrm>
-          <a:prstGeom prst="rect">
-            <a:avLst/>
-          </a:prstGeom>
-          <a:noFill/>
-        </p:spPr>
-        <p:txBody>
-          <a:bodyPr wrap="none" lIns="91440" tIns="45720" rIns="91440" bIns="45720">
-            <a:spAutoFit/>
-          </a:bodyPr>
-          <a:lstStyle/>
-          <a:p>
-            <a:pPr algn="ctr"/>
-            <a:r>
-              <a:rPr lang="zh-CN" altLang="en-US" sz="4000" dirty="0">
-                <a:ln w="0"/>
-                <a:solidFill>
-                  <a:schemeClr val="bg1"/>
-                </a:solidFill>
-                <a:effectLst>
-                  <a:outerShdw blurRad="38100" dist="25400" dir="5400000" algn="ctr" rotWithShape="0">
-                    <a:srgbClr val="6E747A">
-                      <a:alpha val="43000"/>
-                    </a:srgbClr>
-                  </a:outerShdw>
-                </a:effectLst>
-              </a:rPr>
-              <a:t>共识</a:t>
-            </a:r>
-          </a:p>
-        </p:txBody>
-      </p:sp>
-      <mc:AlternateContent xmlns:mc="http://schemas.openxmlformats.org/markup-compatibility/2006">
-        <mc:Choice xmlns:am3d="http://schemas.microsoft.com/office/drawing/2017/model3d" Requires="am3d">
-          <p:graphicFrame>
-            <p:nvGraphicFramePr>
-              <p:cNvPr id="12" name="3D 模型 11" descr="Domes And Pinacoid Blue">
-                <a:extLst>
-                  <a:ext uri="{FF2B5EF4-FFF2-40B4-BE49-F238E27FC236}">
-                    <a16:creationId xmlns:a16="http://schemas.microsoft.com/office/drawing/2014/main" id="{A25908E2-0D4D-BDEA-A0D0-ACB227BE3897}"/>
-                  </a:ext>
-                </a:extLst>
-              </p:cNvPr>
-              <p:cNvGraphicFramePr>
-                <a:graphicFrameLocks noChangeAspect="1"/>
-              </p:cNvGraphicFramePr>
-              <p:nvPr>
-                <p:extLst>
-                  <p:ext uri="{D42A27DB-BD31-4B8C-83A1-F6EECF244321}">
-                    <p14:modId xmlns:p14="http://schemas.microsoft.com/office/powerpoint/2010/main" val="3796483868"/>
-                  </p:ext>
-                </p:extLst>
-              </p:nvPr>
-            </p:nvGraphicFramePr>
-            <p:xfrm>
-              <a:off x="7159262" y="3948323"/>
-              <a:ext cx="2587990" cy="1350968"/>
-            </p:xfrm>
-            <a:graphic>
-              <a:graphicData uri="http://schemas.microsoft.com/office/drawing/2017/model3d">
-                <am3d:model3d r:embed="rId2">
-                  <am3d:spPr>
-                    <a:xfrm>
-                      <a:off x="0" y="0"/>
-                      <a:ext cx="2587990" cy="1350968"/>
-                    </a:xfrm>
-                    <a:prstGeom prst="rect">
-                      <a:avLst/>
-                    </a:prstGeom>
-                  </am3d:spPr>
-                  <am3d:camera>
-                    <am3d:pos x="0" y="0" z="61634510"/>
-                    <am3d:up dx="0" dy="36000000" dz="0"/>
-                    <am3d:lookAt x="0" y="0" z="0"/>
-                    <am3d:perspective fov="2700000"/>
-                  </am3d:camera>
-                  <am3d:trans>
-                    <am3d:meterPerModelUnit n="105404" d="1000000"/>
-                    <am3d:preTrans dx="-38771" dy="-6202928" dz="0"/>
-                    <am3d:scale>
-                      <am3d:sx n="1000000" d="1000000"/>
-                      <am3d:sy n="1000000" d="1000000"/>
-                      <am3d:sz n="1000000" d="1000000"/>
-                    </am3d:scale>
-                    <am3d:rot ax="522130" ay="1391978" az="207031"/>
-                    <am3d:postTrans dx="0" dy="0" dz="0"/>
-                  </am3d:trans>
-                  <am3d:raster rName="Office3DRenderer" rVer="16.0.8326">
-                    <am3d:blip r:embed="rId5"/>
-                  </am3d:raster>
-                  <am3d:objViewport viewportSz="2683865"/>
-                  <am3d:ambientLight>
-                    <am3d:clr>
-                      <a:scrgbClr r="50000" g="50000" b="50000"/>
-                    </am3d:clr>
-                    <am3d:illuminance n="500000" d="1000000"/>
-                  </am3d:ambientLight>
-                  <am3d:ptLight rad="0">
-                    <am3d:clr>
-                      <a:scrgbClr r="100000" g="75000" b="50000"/>
-                    </am3d:clr>
-                    <am3d:intensity n="9765625" d="1000000"/>
-                    <am3d:pos x="21959998" y="70920001" z="16344003"/>
-                  </am3d:ptLight>
-                  <am3d:ptLight rad="0">
-                    <am3d:clr>
-                      <a:scrgbClr r="40000" g="60000" b="95000"/>
-                    </am3d:clr>
-                    <am3d:intensity n="12250000" d="1000000"/>
-                    <am3d:pos x="-37964106" y="51130435" z="57631972"/>
-                  </am3d:ptLight>
-                  <am3d:ptLight rad="0">
-                    <am3d:clr>
-                      <a:scrgbClr r="86837" g="72700" b="100000"/>
-                    </am3d:clr>
-                    <am3d:intensity n="3125000" d="1000000"/>
-                    <am3d:pos x="-37739122" y="58056624" z="-34769649"/>
-                  </am3d:ptLight>
-                </am3d:model3d>
-              </a:graphicData>
-            </a:graphic>
-          </p:graphicFrame>
-        </mc:Choice>
-        <mc:Fallback>
-          <p:pic>
-            <p:nvPicPr>
-              <p:cNvPr id="12" name="3D 模型 11" descr="Domes And Pinacoid Blue">
-                <a:extLst>
-                  <a:ext uri="{FF2B5EF4-FFF2-40B4-BE49-F238E27FC236}">
-                    <a16:creationId xmlns:a16="http://schemas.microsoft.com/office/drawing/2014/main" id="{A25908E2-0D4D-BDEA-A0D0-ACB227BE3897}"/>
-                  </a:ext>
-                </a:extLst>
-              </p:cNvPr>
-              <p:cNvPicPr>
-                <a:picLocks noGrp="1" noRot="1" noChangeAspect="1" noMove="1" noResize="1" noEditPoints="1" noAdjustHandles="1" noChangeArrowheads="1" noChangeShapeType="1" noCrop="1"/>
-              </p:cNvPicPr>
-              <p:nvPr/>
-            </p:nvPicPr>
-            <p:blipFill>
-              <a:blip r:embed="rId5"/>
-              <a:stretch>
-                <a:fillRect/>
-              </a:stretch>
-            </p:blipFill>
-            <p:spPr>
-              <a:xfrm>
-                <a:off x="7159262" y="3948323"/>
-                <a:ext cx="2587990" cy="1350968"/>
-              </a:xfrm>
-              <a:prstGeom prst="rect">
-                <a:avLst/>
-              </a:prstGeom>
-            </p:spPr>
-          </p:pic>
-        </mc:Fallback>
-      </mc:AlternateContent>
-      <p:sp>
-        <p:nvSpPr>
-          <p:cNvPr id="3" name="矩形 2">
-            <a:extLst>
-              <a:ext uri="{FF2B5EF4-FFF2-40B4-BE49-F238E27FC236}">
-                <a16:creationId xmlns:a16="http://schemas.microsoft.com/office/drawing/2014/main" id="{8C5CCB7D-9289-D5BC-7B8F-A96A7B5944E6}"/>
-              </a:ext>
-            </a:extLst>
-          </p:cNvPr>
-          <p:cNvSpPr/>
-          <p:nvPr/>
-        </p:nvSpPr>
-        <p:spPr>
-          <a:xfrm>
-            <a:off x="8071163" y="4269130"/>
-            <a:ext cx="1313180" cy="923330"/>
-          </a:xfrm>
-          <a:prstGeom prst="rect">
-            <a:avLst/>
-          </a:prstGeom>
-          <a:noFill/>
-        </p:spPr>
-        <p:txBody>
-          <a:bodyPr wrap="none" lIns="91440" tIns="45720" rIns="91440" bIns="45720">
-            <a:spAutoFit/>
-          </a:bodyPr>
-          <a:lstStyle/>
-          <a:p>
-            <a:pPr algn="ctr"/>
-            <a:r>
-              <a:rPr lang="en-US" altLang="zh-CN" sz="5400" dirty="0">
-                <a:ln w="0"/>
-                <a:solidFill>
-                  <a:schemeClr val="bg1"/>
-                </a:solidFill>
-                <a:effectLst>
-                  <a:outerShdw blurRad="38100" dist="25400" dir="5400000" algn="ctr" rotWithShape="0">
-                    <a:srgbClr val="6E747A">
-                      <a:alpha val="43000"/>
-                    </a:srgbClr>
-                  </a:outerShdw>
-                </a:effectLst>
-              </a:rPr>
-              <a:t>P2P</a:t>
-            </a:r>
-            <a:endParaRPr lang="zh-CN" altLang="en-US" sz="5400" dirty="0">
-              <a:ln w="0"/>
-              <a:solidFill>
-                <a:schemeClr val="bg1"/>
-              </a:solidFill>
-              <a:effectLst>
-                <a:outerShdw blurRad="38100" dist="25400" dir="5400000" algn="ctr" rotWithShape="0">
-                  <a:srgbClr val="6E747A">
-                    <a:alpha val="43000"/>
-                  </a:srgbClr>
-                </a:outerShdw>
-              </a:effectLst>
-            </a:endParaRPr>
-          </a:p>
-        </p:txBody>
-      </p:sp>
-      <p:sp>
-        <p:nvSpPr>
-          <p:cNvPr id="32" name="矩形: 圆角 31">
-            <a:extLst>
-              <a:ext uri="{FF2B5EF4-FFF2-40B4-BE49-F238E27FC236}">
-                <a16:creationId xmlns:a16="http://schemas.microsoft.com/office/drawing/2014/main" id="{234B042F-D76B-9F01-A44D-2E8485AD91DC}"/>
-              </a:ext>
-            </a:extLst>
-          </p:cNvPr>
-          <p:cNvSpPr/>
-          <p:nvPr/>
-        </p:nvSpPr>
-        <p:spPr>
-          <a:xfrm>
-            <a:off x="7198426" y="2962121"/>
-            <a:ext cx="2744613" cy="2412089"/>
-          </a:xfrm>
-          <a:prstGeom prst="roundRect">
-            <a:avLst/>
-          </a:prstGeom>
-          <a:noFill/>
-          <a:ln w="38100"/>
-        </p:spPr>
-        <p:style>
-          <a:lnRef idx="2">
-            <a:schemeClr val="accent1">
-              <a:shade val="50000"/>
-            </a:schemeClr>
-          </a:lnRef>
-          <a:fillRef idx="1">
-            <a:schemeClr val="accent1"/>
-          </a:fillRef>
-          <a:effectRef idx="0">
-            <a:schemeClr val="accent1"/>
-          </a:effectRef>
-          <a:fontRef idx="minor">
-            <a:schemeClr val="lt1"/>
-          </a:fontRef>
-        </p:style>
-        <p:txBody>
-          <a:bodyPr rtlCol="0" anchor="ctr"/>
-          <a:lstStyle/>
-          <a:p>
-            <a:pPr algn="ctr"/>
-            <a:endParaRPr lang="zh-CN" altLang="en-US"/>
-          </a:p>
-        </p:txBody>
-      </p:sp>
-      <mc:AlternateContent xmlns:mc="http://schemas.openxmlformats.org/markup-compatibility/2006">
-        <mc:Choice xmlns:am3d="http://schemas.microsoft.com/office/drawing/2017/model3d" Requires="am3d">
-          <p:graphicFrame>
-            <p:nvGraphicFramePr>
-              <p:cNvPr id="23" name="3D 模型 22" descr="Domes And Pinacoid Blue">
-                <a:extLst>
-                  <a:ext uri="{FF2B5EF4-FFF2-40B4-BE49-F238E27FC236}">
-                    <a16:creationId xmlns:a16="http://schemas.microsoft.com/office/drawing/2014/main" id="{2D504C41-ED0B-0067-4D6B-4D3D5300DFB5}"/>
-                  </a:ext>
-                </a:extLst>
-              </p:cNvPr>
-              <p:cNvGraphicFramePr>
-                <a:graphicFrameLocks noChangeAspect="1"/>
-              </p:cNvGraphicFramePr>
-              <p:nvPr>
-                <p:extLst>
-                  <p:ext uri="{D42A27DB-BD31-4B8C-83A1-F6EECF244321}">
-                    <p14:modId xmlns:p14="http://schemas.microsoft.com/office/powerpoint/2010/main" val="4105772859"/>
-                  </p:ext>
-                </p:extLst>
-              </p:nvPr>
-            </p:nvGraphicFramePr>
-            <p:xfrm rot="165370">
-              <a:off x="7225763" y="619537"/>
-              <a:ext cx="2591795" cy="1360196"/>
-            </p:xfrm>
-            <a:graphic>
-              <a:graphicData uri="http://schemas.microsoft.com/office/drawing/2017/model3d">
-                <am3d:model3d r:embed="rId2">
-                  <am3d:spPr>
-                    <a:xfrm rot="165370">
-                      <a:off x="0" y="0"/>
-                      <a:ext cx="2591795" cy="1360196"/>
-                    </a:xfrm>
-                    <a:prstGeom prst="rect">
-                      <a:avLst/>
-                    </a:prstGeom>
-                  </am3d:spPr>
-                  <am3d:camera>
-                    <am3d:pos x="0" y="0" z="61634510"/>
-                    <am3d:up dx="0" dy="36000000" dz="0"/>
-                    <am3d:lookAt x="0" y="0" z="0"/>
-                    <am3d:perspective fov="2700000"/>
-                  </am3d:camera>
-                  <am3d:trans>
-                    <am3d:meterPerModelUnit n="105404" d="1000000"/>
-                    <am3d:preTrans dx="-38771" dy="-6202928" dz="0"/>
-                    <am3d:scale>
-                      <am3d:sx n="1000000" d="1000000"/>
-                      <am3d:sy n="1000000" d="1000000"/>
-                      <am3d:sz n="1000000" d="1000000"/>
-                    </am3d:scale>
-                    <am3d:rot ax="-539944" ay="1366935" az="-210567"/>
-                    <am3d:postTrans dx="0" dy="0" dz="0"/>
-                  </am3d:trans>
-                  <am3d:raster rName="Office3DRenderer" rVer="16.0.8326">
-                    <am3d:blip r:embed="rId6"/>
-                  </am3d:raster>
-                  <am3d:objViewport viewportSz="2683857"/>
-                  <am3d:ambientLight>
-                    <am3d:clr>
-                      <a:scrgbClr r="50000" g="50000" b="50000"/>
-                    </am3d:clr>
-                    <am3d:illuminance n="500000" d="1000000"/>
-                  </am3d:ambientLight>
-                  <am3d:ptLight rad="0">
-                    <am3d:clr>
-                      <a:scrgbClr r="100000" g="75000" b="50000"/>
-                    </am3d:clr>
-                    <am3d:intensity n="9765625" d="1000000"/>
-                    <am3d:pos x="21959998" y="70920001" z="16344003"/>
-                  </am3d:ptLight>
-                  <am3d:ptLight rad="0">
-                    <am3d:clr>
-                      <a:scrgbClr r="40000" g="60000" b="95000"/>
-                    </am3d:clr>
-                    <am3d:intensity n="12250000" d="1000000"/>
-                    <am3d:pos x="-37964106" y="51130435" z="57631972"/>
-                  </am3d:ptLight>
-                  <am3d:ptLight rad="0">
-                    <am3d:clr>
-                      <a:scrgbClr r="86837" g="72700" b="100000"/>
-                    </am3d:clr>
-                    <am3d:intensity n="3125000" d="1000000"/>
-                    <am3d:pos x="-37739122" y="58056624" z="-34769649"/>
-                  </am3d:ptLight>
-                </am3d:model3d>
-              </a:graphicData>
-            </a:graphic>
-          </p:graphicFrame>
-        </mc:Choice>
-        <mc:Fallback>
-          <p:pic>
-            <p:nvPicPr>
-              <p:cNvPr id="23" name="3D 模型 22" descr="Domes And Pinacoid Blue">
-                <a:extLst>
-                  <a:ext uri="{FF2B5EF4-FFF2-40B4-BE49-F238E27FC236}">
-                    <a16:creationId xmlns:a16="http://schemas.microsoft.com/office/drawing/2014/main" id="{2D504C41-ED0B-0067-4D6B-4D3D5300DFB5}"/>
-                  </a:ext>
-                </a:extLst>
-              </p:cNvPr>
-              <p:cNvPicPr>
-                <a:picLocks noGrp="1" noRot="1" noChangeAspect="1" noMove="1" noResize="1" noEditPoints="1" noAdjustHandles="1" noChangeArrowheads="1" noChangeShapeType="1" noCrop="1"/>
-              </p:cNvPicPr>
-              <p:nvPr/>
-            </p:nvPicPr>
-            <p:blipFill>
-              <a:blip r:embed="rId6"/>
-              <a:stretch>
-                <a:fillRect/>
-              </a:stretch>
-            </p:blipFill>
-            <p:spPr>
-              <a:xfrm rot="165370">
-                <a:off x="7225763" y="619537"/>
-                <a:ext cx="2591795" cy="1360196"/>
-              </a:xfrm>
-              <a:prstGeom prst="rect">
-                <a:avLst/>
-              </a:prstGeom>
-            </p:spPr>
-          </p:pic>
-        </mc:Fallback>
-      </mc:AlternateContent>
-      <mc:AlternateContent xmlns:mc="http://schemas.openxmlformats.org/markup-compatibility/2006">
-        <mc:Choice xmlns:am3d="http://schemas.microsoft.com/office/drawing/2017/model3d" Requires="am3d">
-          <p:graphicFrame>
-            <p:nvGraphicFramePr>
-              <p:cNvPr id="11" name="3D 模型 10" descr="Cube">
-                <a:extLst>
-                  <a:ext uri="{FF2B5EF4-FFF2-40B4-BE49-F238E27FC236}">
-                    <a16:creationId xmlns:a16="http://schemas.microsoft.com/office/drawing/2014/main" id="{F9D7CD1D-7F55-8441-D4CF-C69CDB95D799}"/>
-                  </a:ext>
-                </a:extLst>
-              </p:cNvPr>
-              <p:cNvGraphicFramePr>
-                <a:graphicFrameLocks noChangeAspect="1"/>
-              </p:cNvGraphicFramePr>
-              <p:nvPr>
-                <p:extLst>
-                  <p:ext uri="{D42A27DB-BD31-4B8C-83A1-F6EECF244321}">
-                    <p14:modId xmlns:p14="http://schemas.microsoft.com/office/powerpoint/2010/main" val="466427305"/>
-                  </p:ext>
-                </p:extLst>
-              </p:nvPr>
-            </p:nvGraphicFramePr>
-            <p:xfrm>
-              <a:off x="282605" y="3141271"/>
-              <a:ext cx="836480" cy="809699"/>
-            </p:xfrm>
-            <a:graphic>
-              <a:graphicData uri="http://schemas.microsoft.com/office/drawing/2017/model3d">
-                <am3d:model3d r:embed="rId7">
-                  <am3d:spPr>
-                    <a:xfrm>
-                      <a:off x="0" y="0"/>
-                      <a:ext cx="836480" cy="809699"/>
-                    </a:xfrm>
-                    <a:prstGeom prst="rect">
-                      <a:avLst/>
-                    </a:prstGeom>
-                  </am3d:spPr>
-                  <am3d:camera>
-                    <am3d:pos x="0" y="0" z="81469193"/>
-                    <am3d:up dx="0" dy="36000000" dz="0"/>
-                    <am3d:lookAt x="0" y="0" z="0"/>
-                    <am3d:perspective fov="2700000"/>
-                  </am3d:camera>
-                  <am3d:trans>
-                    <am3d:meterPerModelUnit n="7140529" d="1000000"/>
-                    <am3d:preTrans dx="0" dy="-17999995" dz="5866"/>
-                    <am3d:scale>
-                      <am3d:sx n="1000000" d="1000000"/>
-                      <am3d:sy n="1000000" d="1000000"/>
-                      <am3d:sz n="1000000" d="1000000"/>
-                    </am3d:scale>
-                    <am3d:rot ax="-10538866" ay="-4020570" az="10559534"/>
-                    <am3d:postTrans dx="0" dy="0" dz="0"/>
-                  </am3d:trans>
-                  <am3d:raster rName="Office3DRenderer" rVer="16.0.8326">
-                    <am3d:blip r:embed="rId8"/>
-                  </am3d:raster>
-                  <am3d:objViewport viewportSz="1048304"/>
-                  <am3d:ambientLight>
-                    <am3d:clr>
-                      <a:scrgbClr r="50000" g="50000" b="50000"/>
-                    </am3d:clr>
-                    <am3d:illuminance n="500000" d="1000000"/>
-                  </am3d:ambientLight>
-                  <am3d:ptLight rad="0">
-                    <am3d:clr>
-                      <a:scrgbClr r="100000" g="75000" b="50000"/>
-                    </am3d:clr>
-                    <am3d:intensity n="9765625" d="1000000"/>
-                    <am3d:pos x="21959998" y="70920001" z="16344003"/>
-                  </am3d:ptLight>
-                  <am3d:ptLight rad="0">
-                    <am3d:clr>
-                      <a:scrgbClr r="40000" g="60000" b="95000"/>
-                    </am3d:clr>
-                    <am3d:intensity n="12250000" d="1000000"/>
-                    <am3d:pos x="-37964106" y="51130435" z="57631972"/>
-                  </am3d:ptLight>
-                  <am3d:ptLight rad="0">
-                    <am3d:clr>
-                      <a:scrgbClr r="86837" g="72700" b="100000"/>
-                    </am3d:clr>
-                    <am3d:intensity n="3125000" d="1000000"/>
-                    <am3d:pos x="-37739122" y="58056624" z="-34769649"/>
-                  </am3d:ptLight>
-                </am3d:model3d>
-              </a:graphicData>
-            </a:graphic>
-          </p:graphicFrame>
-        </mc:Choice>
-        <mc:Fallback>
-          <p:pic>
-            <p:nvPicPr>
-              <p:cNvPr id="11" name="3D 模型 10" descr="Cube">
-                <a:extLst>
-                  <a:ext uri="{FF2B5EF4-FFF2-40B4-BE49-F238E27FC236}">
-                    <a16:creationId xmlns:a16="http://schemas.microsoft.com/office/drawing/2014/main" id="{F9D7CD1D-7F55-8441-D4CF-C69CDB95D799}"/>
-                  </a:ext>
-                </a:extLst>
-              </p:cNvPr>
-              <p:cNvPicPr>
-                <a:picLocks noGrp="1" noRot="1" noChangeAspect="1" noMove="1" noResize="1" noEditPoints="1" noAdjustHandles="1" noChangeArrowheads="1" noChangeShapeType="1" noCrop="1"/>
-              </p:cNvPicPr>
-              <p:nvPr/>
-            </p:nvPicPr>
-            <p:blipFill>
-              <a:blip r:embed="rId8"/>
-              <a:stretch>
-                <a:fillRect/>
-              </a:stretch>
-            </p:blipFill>
-            <p:spPr>
-              <a:xfrm>
-                <a:off x="282605" y="3141271"/>
-                <a:ext cx="836480" cy="809699"/>
-              </a:xfrm>
-              <a:prstGeom prst="rect">
-                <a:avLst/>
-              </a:prstGeom>
-            </p:spPr>
-          </p:pic>
-        </mc:Fallback>
-      </mc:AlternateContent>
-      <mc:AlternateContent xmlns:mc="http://schemas.openxmlformats.org/markup-compatibility/2006">
-        <mc:Choice xmlns:am3d="http://schemas.microsoft.com/office/drawing/2017/model3d" Requires="am3d">
-          <p:graphicFrame>
-            <p:nvGraphicFramePr>
-              <p:cNvPr id="13" name="3D 模型 12" descr="Cube">
-                <a:extLst>
-                  <a:ext uri="{FF2B5EF4-FFF2-40B4-BE49-F238E27FC236}">
-                    <a16:creationId xmlns:a16="http://schemas.microsoft.com/office/drawing/2014/main" id="{7A47F2ED-E723-6E30-3DAC-2F8229FDE886}"/>
-                  </a:ext>
-                </a:extLst>
-              </p:cNvPr>
-              <p:cNvGraphicFramePr>
-                <a:graphicFrameLocks noChangeAspect="1"/>
-              </p:cNvGraphicFramePr>
-              <p:nvPr>
-                <p:extLst>
-                  <p:ext uri="{D42A27DB-BD31-4B8C-83A1-F6EECF244321}">
-                    <p14:modId xmlns:p14="http://schemas.microsoft.com/office/powerpoint/2010/main" val="1368984587"/>
-                  </p:ext>
-                </p:extLst>
-              </p:nvPr>
-            </p:nvGraphicFramePr>
-            <p:xfrm>
-              <a:off x="1982014" y="3198139"/>
-              <a:ext cx="832150" cy="818179"/>
-            </p:xfrm>
-            <a:graphic>
-              <a:graphicData uri="http://schemas.microsoft.com/office/drawing/2017/model3d">
-                <am3d:model3d r:embed="rId7">
-                  <am3d:spPr>
-                    <a:xfrm>
-                      <a:off x="0" y="0"/>
-                      <a:ext cx="832150" cy="818179"/>
-                    </a:xfrm>
-                    <a:prstGeom prst="rect">
-                      <a:avLst/>
-                    </a:prstGeom>
-                  </am3d:spPr>
-                  <am3d:camera>
-                    <am3d:pos x="0" y="0" z="81469193"/>
-                    <am3d:up dx="0" dy="36000000" dz="0"/>
-                    <am3d:lookAt x="0" y="0" z="0"/>
-                    <am3d:perspective fov="2700000"/>
-                  </am3d:camera>
-                  <am3d:trans>
-                    <am3d:meterPerModelUnit n="7140529" d="1000000"/>
-                    <am3d:preTrans dx="0" dy="-17999995" dz="5866"/>
-                    <am3d:scale>
-                      <am3d:sx n="1000000" d="1000000"/>
-                      <am3d:sy n="1000000" d="1000000"/>
-                      <am3d:sz n="1000000" d="1000000"/>
-                    </am3d:scale>
-                    <am3d:rot ax="-9991970" ay="-4365975" az="10026998"/>
-                    <am3d:postTrans dx="0" dy="0" dz="0"/>
-                  </am3d:trans>
-                  <am3d:raster rName="Office3DRenderer" rVer="16.0.8326">
-                    <am3d:blip r:embed="rId9"/>
-                  </am3d:raster>
-                  <am3d:objViewport viewportSz="1048303"/>
-                  <am3d:ambientLight>
-                    <am3d:clr>
-                      <a:scrgbClr r="50000" g="50000" b="50000"/>
-                    </am3d:clr>
-                    <am3d:illuminance n="500000" d="1000000"/>
-                  </am3d:ambientLight>
-                  <am3d:ptLight rad="0">
-                    <am3d:clr>
-                      <a:scrgbClr r="100000" g="75000" b="50000"/>
-                    </am3d:clr>
-                    <am3d:intensity n="9765625" d="1000000"/>
-                    <am3d:pos x="21959998" y="70920001" z="16344003"/>
-                  </am3d:ptLight>
-                  <am3d:ptLight rad="0">
-                    <am3d:clr>
-                      <a:scrgbClr r="40000" g="60000" b="95000"/>
-                    </am3d:clr>
-                    <am3d:intensity n="12250000" d="1000000"/>
-                    <am3d:pos x="-37964106" y="51130435" z="57631972"/>
-                  </am3d:ptLight>
-                  <am3d:ptLight rad="0">
-                    <am3d:clr>
-                      <a:scrgbClr r="86837" g="72700" b="100000"/>
-                    </am3d:clr>
-                    <am3d:intensity n="3125000" d="1000000"/>
-                    <am3d:pos x="-37739122" y="58056624" z="-34769649"/>
-                  </am3d:ptLight>
-                </am3d:model3d>
-              </a:graphicData>
-            </a:graphic>
-          </p:graphicFrame>
-        </mc:Choice>
-        <mc:Fallback>
-          <p:pic>
-            <p:nvPicPr>
-              <p:cNvPr id="13" name="3D 模型 12" descr="Cube">
-                <a:extLst>
-                  <a:ext uri="{FF2B5EF4-FFF2-40B4-BE49-F238E27FC236}">
-                    <a16:creationId xmlns:a16="http://schemas.microsoft.com/office/drawing/2014/main" id="{7A47F2ED-E723-6E30-3DAC-2F8229FDE886}"/>
-                  </a:ext>
-                </a:extLst>
-              </p:cNvPr>
-              <p:cNvPicPr>
-                <a:picLocks noGrp="1" noRot="1" noChangeAspect="1" noMove="1" noResize="1" noEditPoints="1" noAdjustHandles="1" noChangeArrowheads="1" noChangeShapeType="1" noCrop="1"/>
-              </p:cNvPicPr>
-              <p:nvPr/>
-            </p:nvPicPr>
-            <p:blipFill>
-              <a:blip r:embed="rId9"/>
-              <a:stretch>
-                <a:fillRect/>
-              </a:stretch>
-            </p:blipFill>
-            <p:spPr>
-              <a:xfrm>
-                <a:off x="1982014" y="3198139"/>
-                <a:ext cx="832150" cy="818179"/>
-              </a:xfrm>
-              <a:prstGeom prst="rect">
-                <a:avLst/>
-              </a:prstGeom>
-            </p:spPr>
-          </p:pic>
-        </mc:Fallback>
-      </mc:AlternateContent>
-      <mc:AlternateContent xmlns:mc="http://schemas.openxmlformats.org/markup-compatibility/2006">
-        <mc:Choice xmlns:am3d="http://schemas.microsoft.com/office/drawing/2017/model3d" Requires="am3d">
-          <p:graphicFrame>
-            <p:nvGraphicFramePr>
-              <p:cNvPr id="14" name="3D 模型 13" descr="Cube">
-                <a:extLst>
-                  <a:ext uri="{FF2B5EF4-FFF2-40B4-BE49-F238E27FC236}">
-                    <a16:creationId xmlns:a16="http://schemas.microsoft.com/office/drawing/2014/main" id="{E5B8A366-C190-9609-293B-E54822308676}"/>
-                  </a:ext>
-                </a:extLst>
-              </p:cNvPr>
-              <p:cNvGraphicFramePr>
-                <a:graphicFrameLocks noChangeAspect="1"/>
-              </p:cNvGraphicFramePr>
-              <p:nvPr>
-                <p:extLst>
-                  <p:ext uri="{D42A27DB-BD31-4B8C-83A1-F6EECF244321}">
-                    <p14:modId xmlns:p14="http://schemas.microsoft.com/office/powerpoint/2010/main" val="2807933374"/>
-                  </p:ext>
-                </p:extLst>
-              </p:nvPr>
-            </p:nvGraphicFramePr>
-            <p:xfrm>
-              <a:off x="2840940" y="3227341"/>
-              <a:ext cx="817322" cy="778629"/>
-            </p:xfrm>
-            <a:graphic>
-              <a:graphicData uri="http://schemas.microsoft.com/office/drawing/2017/model3d">
-                <am3d:model3d r:embed="rId7">
-                  <am3d:spPr>
-                    <a:xfrm>
-                      <a:off x="0" y="0"/>
-                      <a:ext cx="817322" cy="778629"/>
-                    </a:xfrm>
-                    <a:prstGeom prst="rect">
-                      <a:avLst/>
-                    </a:prstGeom>
-                  </am3d:spPr>
-                  <am3d:camera>
-                    <am3d:pos x="0" y="0" z="81469193"/>
-                    <am3d:up dx="0" dy="36000000" dz="0"/>
-                    <am3d:lookAt x="0" y="0" z="0"/>
-                    <am3d:perspective fov="2700000"/>
-                  </am3d:camera>
-                  <am3d:trans>
-                    <am3d:meterPerModelUnit n="7140529" d="1000000"/>
-                    <am3d:preTrans dx="0" dy="-17999995" dz="5866"/>
-                    <am3d:scale>
-                      <am3d:sx n="1000000" d="1000000"/>
-                      <am3d:sy n="1000000" d="1000000"/>
-                      <am3d:sz n="1000000" d="1000000"/>
-                    </am3d:scale>
-                    <am3d:rot ax="10624221" ay="-4452119" az="-10630838"/>
-                    <am3d:postTrans dx="0" dy="0" dz="0"/>
-                  </am3d:trans>
-                  <am3d:raster rName="Office3DRenderer" rVer="16.0.8326">
-                    <am3d:blip r:embed="rId10"/>
-                  </am3d:raster>
-                  <am3d:objViewport viewportSz="1048304"/>
-                  <am3d:ambientLight>
-                    <am3d:clr>
-                      <a:scrgbClr r="50000" g="50000" b="50000"/>
-                    </am3d:clr>
-                    <am3d:illuminance n="500000" d="1000000"/>
-                  </am3d:ambientLight>
-                  <am3d:ptLight rad="0">
-                    <am3d:clr>
-                      <a:scrgbClr r="100000" g="75000" b="50000"/>
-                    </am3d:clr>
-                    <am3d:intensity n="9765625" d="1000000"/>
-                    <am3d:pos x="21959998" y="70920001" z="16344003"/>
-                  </am3d:ptLight>
-                  <am3d:ptLight rad="0">
-                    <am3d:clr>
-                      <a:scrgbClr r="40000" g="60000" b="95000"/>
-                    </am3d:clr>
-                    <am3d:intensity n="12250000" d="1000000"/>
-                    <am3d:pos x="-37964106" y="51130435" z="57631972"/>
-                  </am3d:ptLight>
-                  <am3d:ptLight rad="0">
-                    <am3d:clr>
-                      <a:scrgbClr r="86837" g="72700" b="100000"/>
-                    </am3d:clr>
-                    <am3d:intensity n="3125000" d="1000000"/>
-                    <am3d:pos x="-37739122" y="58056624" z="-34769649"/>
-                  </am3d:ptLight>
-                </am3d:model3d>
-              </a:graphicData>
-            </a:graphic>
-          </p:graphicFrame>
-        </mc:Choice>
-        <mc:Fallback>
-          <p:pic>
-            <p:nvPicPr>
-              <p:cNvPr id="14" name="3D 模型 13" descr="Cube">
-                <a:extLst>
-                  <a:ext uri="{FF2B5EF4-FFF2-40B4-BE49-F238E27FC236}">
-                    <a16:creationId xmlns:a16="http://schemas.microsoft.com/office/drawing/2014/main" id="{E5B8A366-C190-9609-293B-E54822308676}"/>
-                  </a:ext>
-                </a:extLst>
-              </p:cNvPr>
-              <p:cNvPicPr>
-                <a:picLocks noGrp="1" noRot="1" noChangeAspect="1" noMove="1" noResize="1" noEditPoints="1" noAdjustHandles="1" noChangeArrowheads="1" noChangeShapeType="1" noCrop="1"/>
-              </p:cNvPicPr>
-              <p:nvPr/>
-            </p:nvPicPr>
-            <p:blipFill>
-              <a:blip r:embed="rId10"/>
-              <a:stretch>
-                <a:fillRect/>
-              </a:stretch>
-            </p:blipFill>
-            <p:spPr>
-              <a:xfrm>
-                <a:off x="2840940" y="3227341"/>
-                <a:ext cx="817322" cy="778629"/>
-              </a:xfrm>
-              <a:prstGeom prst="rect">
-                <a:avLst/>
-              </a:prstGeom>
-            </p:spPr>
-          </p:pic>
-        </mc:Fallback>
-      </mc:AlternateContent>
-      <mc:AlternateContent xmlns:mc="http://schemas.openxmlformats.org/markup-compatibility/2006">
-        <mc:Choice xmlns:am3d="http://schemas.microsoft.com/office/drawing/2017/model3d" Requires="am3d">
-          <p:graphicFrame>
-            <p:nvGraphicFramePr>
-              <p:cNvPr id="15" name="3D 模型 14" descr="Cube">
-                <a:extLst>
-                  <a:ext uri="{FF2B5EF4-FFF2-40B4-BE49-F238E27FC236}">
-                    <a16:creationId xmlns:a16="http://schemas.microsoft.com/office/drawing/2014/main" id="{1292D007-8C25-BF45-B2D4-27B8E60356FC}"/>
-                  </a:ext>
-                </a:extLst>
-              </p:cNvPr>
-              <p:cNvGraphicFramePr>
-                <a:graphicFrameLocks noChangeAspect="1"/>
-              </p:cNvGraphicFramePr>
-              <p:nvPr>
-                <p:extLst>
-                  <p:ext uri="{D42A27DB-BD31-4B8C-83A1-F6EECF244321}">
-                    <p14:modId xmlns:p14="http://schemas.microsoft.com/office/powerpoint/2010/main" val="3516265430"/>
-                  </p:ext>
-                </p:extLst>
-              </p:nvPr>
-            </p:nvGraphicFramePr>
-            <p:xfrm>
-              <a:off x="1136328" y="3163575"/>
-              <a:ext cx="851953" cy="834578"/>
-            </p:xfrm>
-            <a:graphic>
-              <a:graphicData uri="http://schemas.microsoft.com/office/drawing/2017/model3d">
-                <am3d:model3d r:embed="rId7">
-                  <am3d:spPr>
-                    <a:xfrm>
-                      <a:off x="0" y="0"/>
-                      <a:ext cx="851953" cy="834578"/>
-                    </a:xfrm>
-                    <a:prstGeom prst="rect">
-                      <a:avLst/>
-                    </a:prstGeom>
-                  </am3d:spPr>
-                  <am3d:camera>
-                    <am3d:pos x="0" y="0" z="81469193"/>
-                    <am3d:up dx="0" dy="36000000" dz="0"/>
-                    <am3d:lookAt x="0" y="0" z="0"/>
-                    <am3d:perspective fov="2700000"/>
-                  </am3d:camera>
-                  <am3d:trans>
-                    <am3d:meterPerModelUnit n="7140529" d="1000000"/>
-                    <am3d:preTrans dx="0" dy="-17999995" dz="5866"/>
-                    <am3d:scale>
-                      <am3d:sx n="1000000" d="1000000"/>
-                      <am3d:sy n="1000000" d="1000000"/>
-                      <am3d:sz n="1000000" d="1000000"/>
-                    </am3d:scale>
-                    <am3d:rot ax="-10366970" ay="-4025790" az="10400769"/>
-                    <am3d:postTrans dx="0" dy="0" dz="0"/>
-                  </am3d:trans>
-                  <am3d:raster rName="Office3DRenderer" rVer="16.0.8326">
-                    <am3d:blip r:embed="rId11"/>
-                  </am3d:raster>
-                  <am3d:objViewport viewportSz="1062882"/>
-                  <am3d:ambientLight>
-                    <am3d:clr>
-                      <a:scrgbClr r="50000" g="50000" b="50000"/>
-                    </am3d:clr>
-                    <am3d:illuminance n="500000" d="1000000"/>
-                  </am3d:ambientLight>
-                  <am3d:ptLight rad="0">
-                    <am3d:clr>
-                      <a:scrgbClr r="100000" g="75000" b="50000"/>
-                    </am3d:clr>
-                    <am3d:intensity n="9765625" d="1000000"/>
-                    <am3d:pos x="21959998" y="70920001" z="16344003"/>
-                  </am3d:ptLight>
-                  <am3d:ptLight rad="0">
-                    <am3d:clr>
-                      <a:scrgbClr r="40000" g="60000" b="95000"/>
-                    </am3d:clr>
-                    <am3d:intensity n="12250000" d="1000000"/>
-                    <am3d:pos x="-37964106" y="51130435" z="57631972"/>
-                  </am3d:ptLight>
-                  <am3d:ptLight rad="0">
-                    <am3d:clr>
-                      <a:scrgbClr r="86837" g="72700" b="100000"/>
-                    </am3d:clr>
-                    <am3d:intensity n="3125000" d="1000000"/>
-                    <am3d:pos x="-37739122" y="58056624" z="-34769649"/>
-                  </am3d:ptLight>
-                </am3d:model3d>
-              </a:graphicData>
-            </a:graphic>
-          </p:graphicFrame>
-        </mc:Choice>
-        <mc:Fallback>
-          <p:pic>
-            <p:nvPicPr>
-              <p:cNvPr id="15" name="3D 模型 14" descr="Cube">
-                <a:extLst>
-                  <a:ext uri="{FF2B5EF4-FFF2-40B4-BE49-F238E27FC236}">
-                    <a16:creationId xmlns:a16="http://schemas.microsoft.com/office/drawing/2014/main" id="{1292D007-8C25-BF45-B2D4-27B8E60356FC}"/>
-                  </a:ext>
-                </a:extLst>
-              </p:cNvPr>
-              <p:cNvPicPr>
-                <a:picLocks noGrp="1" noRot="1" noChangeAspect="1" noMove="1" noResize="1" noEditPoints="1" noAdjustHandles="1" noChangeArrowheads="1" noChangeShapeType="1" noCrop="1"/>
-              </p:cNvPicPr>
-              <p:nvPr/>
-            </p:nvPicPr>
-            <p:blipFill>
-              <a:blip r:embed="rId11"/>
-              <a:stretch>
-                <a:fillRect/>
-              </a:stretch>
-            </p:blipFill>
-            <p:spPr>
-              <a:xfrm>
-                <a:off x="1136328" y="3163575"/>
-                <a:ext cx="851953" cy="834578"/>
-              </a:xfrm>
-              <a:prstGeom prst="rect">
-                <a:avLst/>
-              </a:prstGeom>
-            </p:spPr>
-          </p:pic>
-        </mc:Fallback>
-      </mc:AlternateContent>
-      <mc:AlternateContent xmlns:mc="http://schemas.openxmlformats.org/markup-compatibility/2006">
-        <mc:Choice xmlns:am3d="http://schemas.microsoft.com/office/drawing/2017/model3d" Requires="am3d">
-          <p:graphicFrame>
-            <p:nvGraphicFramePr>
-              <p:cNvPr id="16" name="3D 模型 15" descr="Cube">
-                <a:extLst>
-                  <a:ext uri="{FF2B5EF4-FFF2-40B4-BE49-F238E27FC236}">
-                    <a16:creationId xmlns:a16="http://schemas.microsoft.com/office/drawing/2014/main" id="{D40ED847-FC52-79D8-3CF3-E3D3DE8BC66E}"/>
-                  </a:ext>
-                </a:extLst>
-              </p:cNvPr>
-              <p:cNvGraphicFramePr>
-                <a:graphicFrameLocks noChangeAspect="1"/>
-              </p:cNvGraphicFramePr>
-              <p:nvPr>
-                <p:extLst>
-                  <p:ext uri="{D42A27DB-BD31-4B8C-83A1-F6EECF244321}">
-                    <p14:modId xmlns:p14="http://schemas.microsoft.com/office/powerpoint/2010/main" val="2445396274"/>
-                  </p:ext>
-                </p:extLst>
-              </p:nvPr>
-            </p:nvGraphicFramePr>
-            <p:xfrm>
-              <a:off x="3677121" y="3258247"/>
-              <a:ext cx="824209" cy="780198"/>
-            </p:xfrm>
-            <a:graphic>
-              <a:graphicData uri="http://schemas.microsoft.com/office/drawing/2017/model3d">
-                <am3d:model3d r:embed="rId7">
-                  <am3d:spPr>
-                    <a:xfrm>
-                      <a:off x="0" y="0"/>
-                      <a:ext cx="824209" cy="780198"/>
-                    </a:xfrm>
-                    <a:prstGeom prst="rect">
-                      <a:avLst/>
-                    </a:prstGeom>
-                  </am3d:spPr>
-                  <am3d:camera>
-                    <am3d:pos x="0" y="0" z="81469193"/>
-                    <am3d:up dx="0" dy="36000000" dz="0"/>
-                    <am3d:lookAt x="0" y="0" z="0"/>
-                    <am3d:perspective fov="2700000"/>
-                  </am3d:camera>
-                  <am3d:trans>
-                    <am3d:meterPerModelUnit n="7140529" d="1000000"/>
-                    <am3d:preTrans dx="0" dy="-17999995" dz="5866"/>
-                    <am3d:scale>
-                      <am3d:sx n="1000000" d="1000000"/>
-                      <am3d:sy n="1000000" d="1000000"/>
-                      <am3d:sz n="1000000" d="1000000"/>
-                    </am3d:scale>
-                    <am3d:rot ax="10759917" ay="-4263477" az="-10762112"/>
-                    <am3d:postTrans dx="0" dy="0" dz="0"/>
-                  </am3d:trans>
-                  <am3d:raster rName="Office3DRenderer" rVer="16.0.8326">
-                    <am3d:blip r:embed="rId12"/>
-                  </am3d:raster>
-                  <am3d:objViewport viewportSz="1048303"/>
-                  <am3d:ambientLight>
-                    <am3d:clr>
-                      <a:scrgbClr r="50000" g="50000" b="50000"/>
-                    </am3d:clr>
-                    <am3d:illuminance n="500000" d="1000000"/>
-                  </am3d:ambientLight>
-                  <am3d:ptLight rad="0">
-                    <am3d:clr>
-                      <a:scrgbClr r="100000" g="75000" b="50000"/>
-                    </am3d:clr>
-                    <am3d:intensity n="9765625" d="1000000"/>
-                    <am3d:pos x="21959998" y="70920001" z="16344003"/>
-                  </am3d:ptLight>
-                  <am3d:ptLight rad="0">
-                    <am3d:clr>
-                      <a:scrgbClr r="40000" g="60000" b="95000"/>
-                    </am3d:clr>
-                    <am3d:intensity n="12250000" d="1000000"/>
-                    <am3d:pos x="-37964106" y="51130435" z="57631972"/>
-                  </am3d:ptLight>
-                  <am3d:ptLight rad="0">
-                    <am3d:clr>
-                      <a:scrgbClr r="86837" g="72700" b="100000"/>
-                    </am3d:clr>
-                    <am3d:intensity n="3125000" d="1000000"/>
-                    <am3d:pos x="-37739122" y="58056624" z="-34769649"/>
-                  </am3d:ptLight>
-                </am3d:model3d>
-              </a:graphicData>
-            </a:graphic>
-          </p:graphicFrame>
-        </mc:Choice>
-        <mc:Fallback>
-          <p:pic>
-            <p:nvPicPr>
-              <p:cNvPr id="16" name="3D 模型 15" descr="Cube">
-                <a:extLst>
-                  <a:ext uri="{FF2B5EF4-FFF2-40B4-BE49-F238E27FC236}">
-                    <a16:creationId xmlns:a16="http://schemas.microsoft.com/office/drawing/2014/main" id="{D40ED847-FC52-79D8-3CF3-E3D3DE8BC66E}"/>
-                  </a:ext>
-                </a:extLst>
-              </p:cNvPr>
-              <p:cNvPicPr>
-                <a:picLocks noGrp="1" noRot="1" noChangeAspect="1" noMove="1" noResize="1" noEditPoints="1" noAdjustHandles="1" noChangeArrowheads="1" noChangeShapeType="1" noCrop="1"/>
-              </p:cNvPicPr>
-              <p:nvPr/>
-            </p:nvPicPr>
-            <p:blipFill>
-              <a:blip r:embed="rId12"/>
-              <a:stretch>
-                <a:fillRect/>
-              </a:stretch>
-            </p:blipFill>
-            <p:spPr>
-              <a:xfrm>
-                <a:off x="3677121" y="3258247"/>
-                <a:ext cx="824209" cy="780198"/>
-              </a:xfrm>
-              <a:prstGeom prst="rect">
-                <a:avLst/>
-              </a:prstGeom>
-            </p:spPr>
-          </p:pic>
-        </mc:Fallback>
-      </mc:AlternateContent>
-      <mc:AlternateContent xmlns:mc="http://schemas.openxmlformats.org/markup-compatibility/2006">
-        <mc:Choice xmlns:am3d="http://schemas.microsoft.com/office/drawing/2017/model3d" Requires="am3d">
-          <p:graphicFrame>
-            <p:nvGraphicFramePr>
-              <p:cNvPr id="24" name="3D 模型 23" descr="Cube">
-                <a:extLst>
-                  <a:ext uri="{FF2B5EF4-FFF2-40B4-BE49-F238E27FC236}">
-                    <a16:creationId xmlns:a16="http://schemas.microsoft.com/office/drawing/2014/main" id="{10C768F6-E6A8-FD1C-4147-AA940FCD5591}"/>
-                  </a:ext>
-                </a:extLst>
-              </p:cNvPr>
-              <p:cNvGraphicFramePr>
-                <a:graphicFrameLocks noChangeAspect="1"/>
-              </p:cNvGraphicFramePr>
-              <p:nvPr>
-                <p:extLst>
-                  <p:ext uri="{D42A27DB-BD31-4B8C-83A1-F6EECF244321}">
-                    <p14:modId xmlns:p14="http://schemas.microsoft.com/office/powerpoint/2010/main" val="767322630"/>
-                  </p:ext>
-                </p:extLst>
-              </p:nvPr>
-            </p:nvGraphicFramePr>
-            <p:xfrm>
-              <a:off x="4470833" y="3268103"/>
-              <a:ext cx="847605" cy="850416"/>
-            </p:xfrm>
-            <a:graphic>
-              <a:graphicData uri="http://schemas.microsoft.com/office/drawing/2017/model3d">
-                <am3d:model3d r:embed="rId7">
-                  <am3d:spPr>
-                    <a:xfrm>
-                      <a:off x="0" y="0"/>
-                      <a:ext cx="847605" cy="850416"/>
-                    </a:xfrm>
-                    <a:prstGeom prst="rect">
-                      <a:avLst/>
-                    </a:prstGeom>
-                  </am3d:spPr>
-                  <am3d:camera>
-                    <am3d:pos x="0" y="0" z="81469193"/>
-                    <am3d:up dx="0" dy="36000000" dz="0"/>
-                    <am3d:lookAt x="0" y="0" z="0"/>
-                    <am3d:perspective fov="2700000"/>
-                  </am3d:camera>
-                  <am3d:trans>
-                    <am3d:meterPerModelUnit n="7140529" d="1000000"/>
-                    <am3d:preTrans dx="0" dy="-17999995" dz="5866"/>
-                    <am3d:scale>
-                      <am3d:sx n="1000000" d="1000000"/>
-                      <am3d:sy n="1000000" d="1000000"/>
-                      <am3d:sz n="1000000" d="1000000"/>
-                    </am3d:scale>
-                    <am3d:rot ax="-9817214" ay="-4132977" az="9880000"/>
-                    <am3d:postTrans dx="0" dy="0" dz="0"/>
-                  </am3d:trans>
-                  <am3d:raster rName="Office3DRenderer" rVer="16.0.8326">
-                    <am3d:blip r:embed="rId13"/>
-                  </am3d:raster>
-                  <am3d:objViewport viewportSz="1048304"/>
-                  <am3d:ambientLight>
-                    <am3d:clr>
-                      <a:scrgbClr r="50000" g="50000" b="50000"/>
-                    </am3d:clr>
-                    <am3d:illuminance n="500000" d="1000000"/>
-                  </am3d:ambientLight>
-                  <am3d:ptLight rad="0">
-                    <am3d:clr>
-                      <a:scrgbClr r="100000" g="75000" b="50000"/>
-                    </am3d:clr>
-                    <am3d:intensity n="9765625" d="1000000"/>
-                    <am3d:pos x="21959998" y="70920001" z="16344003"/>
-                  </am3d:ptLight>
-                  <am3d:ptLight rad="0">
-                    <am3d:clr>
-                      <a:scrgbClr r="40000" g="60000" b="95000"/>
-                    </am3d:clr>
-                    <am3d:intensity n="12250000" d="1000000"/>
-                    <am3d:pos x="-37964106" y="51130435" z="57631972"/>
-                  </am3d:ptLight>
-                  <am3d:ptLight rad="0">
-                    <am3d:clr>
-                      <a:scrgbClr r="86837" g="72700" b="100000"/>
-                    </am3d:clr>
-                    <am3d:intensity n="3125000" d="1000000"/>
-                    <am3d:pos x="-37739122" y="58056624" z="-34769649"/>
-                  </am3d:ptLight>
-                </am3d:model3d>
-              </a:graphicData>
-            </a:graphic>
-          </p:graphicFrame>
-        </mc:Choice>
-        <mc:Fallback>
-          <p:pic>
-            <p:nvPicPr>
-              <p:cNvPr id="24" name="3D 模型 23" descr="Cube">
-                <a:extLst>
-                  <a:ext uri="{FF2B5EF4-FFF2-40B4-BE49-F238E27FC236}">
-                    <a16:creationId xmlns:a16="http://schemas.microsoft.com/office/drawing/2014/main" id="{10C768F6-E6A8-FD1C-4147-AA940FCD5591}"/>
-                  </a:ext>
-                </a:extLst>
-              </p:cNvPr>
-              <p:cNvPicPr>
-                <a:picLocks noGrp="1" noRot="1" noChangeAspect="1" noMove="1" noResize="1" noEditPoints="1" noAdjustHandles="1" noChangeArrowheads="1" noChangeShapeType="1" noCrop="1"/>
-              </p:cNvPicPr>
-              <p:nvPr/>
-            </p:nvPicPr>
-            <p:blipFill>
-              <a:blip r:embed="rId13"/>
-              <a:stretch>
-                <a:fillRect/>
-              </a:stretch>
-            </p:blipFill>
-            <p:spPr>
-              <a:xfrm>
-                <a:off x="4470833" y="3268103"/>
-                <a:ext cx="847605" cy="850416"/>
-              </a:xfrm>
-              <a:prstGeom prst="rect">
-                <a:avLst/>
-              </a:prstGeom>
-            </p:spPr>
-          </p:pic>
-        </mc:Fallback>
-      </mc:AlternateContent>
-      <mc:AlternateContent xmlns:mc="http://schemas.openxmlformats.org/markup-compatibility/2006">
-        <mc:Choice xmlns:am3d="http://schemas.microsoft.com/office/drawing/2017/model3d" Requires="am3d">
-          <p:graphicFrame>
-            <p:nvGraphicFramePr>
-              <p:cNvPr id="25" name="3D 模型 24" descr="Cube">
-                <a:extLst>
-                  <a:ext uri="{FF2B5EF4-FFF2-40B4-BE49-F238E27FC236}">
-                    <a16:creationId xmlns:a16="http://schemas.microsoft.com/office/drawing/2014/main" id="{18EE2080-D72C-F752-AF69-C36273D8EC34}"/>
-                  </a:ext>
-                </a:extLst>
-              </p:cNvPr>
-              <p:cNvGraphicFramePr>
-                <a:graphicFrameLocks noChangeAspect="1"/>
-              </p:cNvGraphicFramePr>
-              <p:nvPr>
-                <p:extLst>
-                  <p:ext uri="{D42A27DB-BD31-4B8C-83A1-F6EECF244321}">
-                    <p14:modId xmlns:p14="http://schemas.microsoft.com/office/powerpoint/2010/main" val="393418735"/>
-                  </p:ext>
-                </p:extLst>
-              </p:nvPr>
-            </p:nvGraphicFramePr>
-            <p:xfrm>
-              <a:off x="5285858" y="3290324"/>
-              <a:ext cx="857585" cy="877842"/>
-            </p:xfrm>
-            <a:graphic>
-              <a:graphicData uri="http://schemas.microsoft.com/office/drawing/2017/model3d">
-                <am3d:model3d r:embed="rId7">
-                  <am3d:spPr>
-                    <a:xfrm>
-                      <a:off x="0" y="0"/>
-                      <a:ext cx="857585" cy="877842"/>
-                    </a:xfrm>
-                    <a:prstGeom prst="rect">
-                      <a:avLst/>
-                    </a:prstGeom>
-                  </am3d:spPr>
-                  <am3d:camera>
-                    <am3d:pos x="0" y="0" z="81469193"/>
-                    <am3d:up dx="0" dy="36000000" dz="0"/>
-                    <am3d:lookAt x="0" y="0" z="0"/>
-                    <am3d:perspective fov="2700000"/>
-                  </am3d:camera>
-                  <am3d:trans>
-                    <am3d:meterPerModelUnit n="7140529" d="1000000"/>
-                    <am3d:preTrans dx="0" dy="-17999995" dz="5866"/>
-                    <am3d:scale>
-                      <am3d:sx n="1000000" d="1000000"/>
-                      <am3d:sy n="1000000" d="1000000"/>
-                      <am3d:sz n="1000000" d="1000000"/>
-                    </am3d:scale>
-                    <am3d:rot ax="-9400040" ay="-4074780" az="9492837"/>
-                    <am3d:postTrans dx="0" dy="0" dz="0"/>
-                  </am3d:trans>
-                  <am3d:raster rName="Office3DRenderer" rVer="16.0.8326">
-                    <am3d:blip r:embed="rId14"/>
-                  </am3d:raster>
-                  <am3d:objViewport viewportSz="1048305"/>
-                  <am3d:ambientLight>
-                    <am3d:clr>
-                      <a:scrgbClr r="50000" g="50000" b="50000"/>
-                    </am3d:clr>
-                    <am3d:illuminance n="500000" d="1000000"/>
-                  </am3d:ambientLight>
-                  <am3d:ptLight rad="0">
-                    <am3d:clr>
-                      <a:scrgbClr r="100000" g="75000" b="50000"/>
-                    </am3d:clr>
-                    <am3d:intensity n="9765625" d="1000000"/>
-                    <am3d:pos x="21959998" y="70920001" z="16344003"/>
-                  </am3d:ptLight>
-                  <am3d:ptLight rad="0">
-                    <am3d:clr>
-                      <a:scrgbClr r="40000" g="60000" b="95000"/>
-                    </am3d:clr>
-                    <am3d:intensity n="12250000" d="1000000"/>
-                    <am3d:pos x="-37964106" y="51130435" z="57631972"/>
-                  </am3d:ptLight>
-                  <am3d:ptLight rad="0">
-                    <am3d:clr>
-                      <a:scrgbClr r="86837" g="72700" b="100000"/>
-                    </am3d:clr>
-                    <am3d:intensity n="3125000" d="1000000"/>
-                    <am3d:pos x="-37739122" y="58056624" z="-34769649"/>
-                  </am3d:ptLight>
-                </am3d:model3d>
-              </a:graphicData>
-            </a:graphic>
-          </p:graphicFrame>
-        </mc:Choice>
-        <mc:Fallback>
-          <p:pic>
-            <p:nvPicPr>
-              <p:cNvPr id="25" name="3D 模型 24" descr="Cube">
-                <a:extLst>
-                  <a:ext uri="{FF2B5EF4-FFF2-40B4-BE49-F238E27FC236}">
-                    <a16:creationId xmlns:a16="http://schemas.microsoft.com/office/drawing/2014/main" id="{18EE2080-D72C-F752-AF69-C36273D8EC34}"/>
-                  </a:ext>
-                </a:extLst>
-              </p:cNvPr>
-              <p:cNvPicPr>
-                <a:picLocks noGrp="1" noRot="1" noChangeAspect="1" noMove="1" noResize="1" noEditPoints="1" noAdjustHandles="1" noChangeArrowheads="1" noChangeShapeType="1" noCrop="1"/>
-              </p:cNvPicPr>
-              <p:nvPr/>
-            </p:nvPicPr>
-            <p:blipFill>
-              <a:blip r:embed="rId14"/>
-              <a:stretch>
-                <a:fillRect/>
-              </a:stretch>
-            </p:blipFill>
-            <p:spPr>
-              <a:xfrm>
-                <a:off x="5285858" y="3290324"/>
-                <a:ext cx="857585" cy="877842"/>
-              </a:xfrm>
-              <a:prstGeom prst="rect">
-                <a:avLst/>
-              </a:prstGeom>
-            </p:spPr>
-          </p:pic>
-        </mc:Fallback>
-      </mc:AlternateContent>
+      </p:pic>
       <mc:AlternateContent xmlns:mc="http://schemas.openxmlformats.org/markup-compatibility/2006">
         <mc:Choice xmlns:am3d="http://schemas.microsoft.com/office/drawing/2017/model3d" Requires="am3d">
           <p:graphicFrame>
@@ -4923,7 +3384,7 @@
             </p:xfrm>
             <a:graphic>
               <a:graphicData uri="http://schemas.microsoft.com/office/drawing/2017/model3d">
-                <am3d:model3d r:embed="rId15">
+                <am3d:model3d r:embed="rId3">
                   <am3d:spPr>
                     <a:xfrm>
                       <a:off x="0" y="0"/>
@@ -4952,7 +3413,7 @@
                     <am3d:postTrans dx="0" dy="0" dz="0"/>
                   </am3d:trans>
                   <am3d:raster rName="Office3DRenderer" rVer="16.0.8326">
-                    <am3d:blip r:embed="rId16"/>
+                    <am3d:blip r:embed="rId4"/>
                   </am3d:raster>
                   <am3d:objViewport viewportSz="721636"/>
                   <am3d:ambientLight>
@@ -5003,7 +3464,7 @@
               <p:nvPr/>
             </p:nvPicPr>
             <p:blipFill>
-              <a:blip r:embed="rId16"/>
+              <a:blip r:embed="rId4"/>
               <a:stretch>
                 <a:fillRect/>
               </a:stretch>
@@ -5049,7 +3510,7 @@
             </p:xfrm>
             <a:graphic>
               <a:graphicData uri="http://schemas.microsoft.com/office/drawing/2017/model3d">
-                <am3d:model3d r:embed="rId17">
+                <am3d:model3d r:embed="rId5">
                   <am3d:spPr>
                     <a:xfrm>
                       <a:off x="0" y="0"/>
@@ -5077,7 +3538,7 @@
                     <am3d:postTrans dx="0" dy="0" dz="0"/>
                   </am3d:trans>
                   <am3d:raster rName="Office3DRenderer" rVer="16.0.8326">
-                    <am3d:blip r:embed="rId18"/>
+                    <am3d:blip r:embed="rId6"/>
                   </am3d:raster>
                   <am3d:objViewport viewportSz="772118"/>
                   <am3d:ambientLight>
@@ -5128,7 +3589,7 @@
               <p:nvPr/>
             </p:nvPicPr>
             <p:blipFill>
-              <a:blip r:embed="rId18"/>
+              <a:blip r:embed="rId6"/>
               <a:stretch>
                 <a:fillRect/>
               </a:stretch>
@@ -5171,7 +3632,7 @@
             </p:xfrm>
             <a:graphic>
               <a:graphicData uri="http://schemas.microsoft.com/office/drawing/2017/model3d">
-                <am3d:model3d r:embed="rId19">
+                <am3d:model3d r:embed="rId7">
                   <am3d:spPr>
                     <a:xfrm>
                       <a:off x="0" y="0"/>
@@ -5199,7 +3660,7 @@
                     <am3d:postTrans dx="0" dy="0" dz="0"/>
                   </am3d:trans>
                   <am3d:raster rName="Office3DRenderer" rVer="16.0.8326">
-                    <am3d:blip r:embed="rId20"/>
+                    <am3d:blip r:embed="rId8"/>
                   </am3d:raster>
                   <am3d:objViewport viewportSz="772117"/>
                   <am3d:ambientLight>
@@ -5250,7 +3711,7 @@
               <p:nvPr/>
             </p:nvPicPr>
             <p:blipFill>
-              <a:blip r:embed="rId20"/>
+              <a:blip r:embed="rId8"/>
               <a:stretch>
                 <a:fillRect/>
               </a:stretch>
@@ -5293,7 +3754,7 @@
             </p:xfrm>
             <a:graphic>
               <a:graphicData uri="http://schemas.microsoft.com/office/drawing/2017/model3d">
-                <am3d:model3d r:embed="rId21">
+                <am3d:model3d r:embed="rId9">
                   <am3d:spPr>
                     <a:xfrm>
                       <a:off x="0" y="0"/>
@@ -5321,7 +3782,7 @@
                     <am3d:postTrans dx="0" dy="0" dz="0"/>
                   </am3d:trans>
                   <am3d:raster rName="Office3DRenderer" rVer="16.0.8326">
-                    <am3d:blip r:embed="rId22"/>
+                    <am3d:blip r:embed="rId10"/>
                   </am3d:raster>
                   <am3d:objViewport viewportSz="778977"/>
                   <am3d:ambientLight>
@@ -5372,7 +3833,7 @@
               <p:nvPr/>
             </p:nvPicPr>
             <p:blipFill>
-              <a:blip r:embed="rId22"/>
+              <a:blip r:embed="rId10"/>
               <a:stretch>
                 <a:fillRect/>
               </a:stretch>
@@ -5391,66 +3852,20 @@
       </mc:AlternateContent>
       <p:sp>
         <p:nvSpPr>
-          <p:cNvPr id="30" name="箭头: 左 29">
-            <a:extLst>
-              <a:ext uri="{FF2B5EF4-FFF2-40B4-BE49-F238E27FC236}">
-                <a16:creationId xmlns:a16="http://schemas.microsoft.com/office/drawing/2014/main" id="{C23F5F77-DFF4-AAD8-43AB-6793A0298BB7}"/>
-              </a:ext>
-            </a:extLst>
-          </p:cNvPr>
-          <p:cNvSpPr/>
+          <p:cNvPr id="34" name="文本框 33">
+            <a:extLst>
+              <a:ext uri="{FF2B5EF4-FFF2-40B4-BE49-F238E27FC236}">
+                <a16:creationId xmlns:a16="http://schemas.microsoft.com/office/drawing/2014/main" id="{D29DB817-2B37-30FC-046C-1FAE5753222C}"/>
+              </a:ext>
+            </a:extLst>
+          </p:cNvPr>
+          <p:cNvSpPr txBox="1"/>
           <p:nvPr/>
         </p:nvSpPr>
         <p:spPr>
           <a:xfrm>
-            <a:off x="6209211" y="3413037"/>
-            <a:ext cx="857585" cy="408256"/>
-          </a:xfrm>
-          <a:prstGeom prst="leftArrow">
-            <a:avLst/>
-          </a:prstGeom>
-        </p:spPr>
-        <p:style>
-          <a:lnRef idx="2">
-            <a:schemeClr val="accent1">
-              <a:shade val="50000"/>
-            </a:schemeClr>
-          </a:lnRef>
-          <a:fillRef idx="1">
-            <a:schemeClr val="accent1"/>
-          </a:fillRef>
-          <a:effectRef idx="0">
-            <a:schemeClr val="accent1"/>
-          </a:effectRef>
-          <a:fontRef idx="minor">
-            <a:schemeClr val="lt1"/>
-          </a:fontRef>
-        </p:style>
-        <p:txBody>
-          <a:bodyPr rtlCol="0" anchor="ctr"/>
-          <a:lstStyle/>
-          <a:p>
-            <a:pPr algn="ctr"/>
-            <a:endParaRPr lang="zh-CN" altLang="en-US"/>
-          </a:p>
-        </p:txBody>
-      </p:sp>
-      <p:sp>
-        <p:nvSpPr>
-          <p:cNvPr id="31" name="文本框 30">
-            <a:extLst>
-              <a:ext uri="{FF2B5EF4-FFF2-40B4-BE49-F238E27FC236}">
-                <a16:creationId xmlns:a16="http://schemas.microsoft.com/office/drawing/2014/main" id="{5D3BA77C-FC57-03F0-0D88-31601C9E29DF}"/>
-              </a:ext>
-            </a:extLst>
-          </p:cNvPr>
-          <p:cNvSpPr txBox="1"/>
-          <p:nvPr/>
-        </p:nvSpPr>
-        <p:spPr>
-          <a:xfrm>
-            <a:off x="9982203" y="3429000"/>
-            <a:ext cx="1480009" cy="400110"/>
+            <a:off x="1594706" y="5100214"/>
+            <a:ext cx="5634876" cy="477054"/>
           </a:xfrm>
           <a:prstGeom prst="rect">
             <a:avLst/>
@@ -5458,130 +3873,18 @@
           <a:noFill/>
         </p:spPr>
         <p:txBody>
-          <a:bodyPr wrap="square" rtlCol="0">
-            <a:spAutoFit/>
-          </a:bodyPr>
-          <a:lstStyle/>
-          <a:p>
-            <a:r>
-              <a:rPr lang="zh-CN" altLang="en-US" sz="2000" dirty="0"/>
-              <a:t>给消息排序</a:t>
-            </a:r>
-          </a:p>
-        </p:txBody>
-      </p:sp>
-      <p:sp>
-        <p:nvSpPr>
-          <p:cNvPr id="33" name="文本框 32">
-            <a:extLst>
-              <a:ext uri="{FF2B5EF4-FFF2-40B4-BE49-F238E27FC236}">
-                <a16:creationId xmlns:a16="http://schemas.microsoft.com/office/drawing/2014/main" id="{524750C1-FB59-E991-38CC-9441E25619F5}"/>
-              </a:ext>
-            </a:extLst>
-          </p:cNvPr>
-          <p:cNvSpPr txBox="1"/>
-          <p:nvPr/>
-        </p:nvSpPr>
-        <p:spPr>
-          <a:xfrm>
-            <a:off x="10116913" y="4506013"/>
-            <a:ext cx="1210588" cy="400110"/>
-          </a:xfrm>
-          <a:prstGeom prst="rect">
-            <a:avLst/>
-          </a:prstGeom>
-          <a:noFill/>
-        </p:spPr>
-        <p:txBody>
           <a:bodyPr wrap="none" rtlCol="0">
             <a:spAutoFit/>
           </a:bodyPr>
           <a:lstStyle/>
           <a:p>
             <a:r>
-              <a:rPr lang="zh-CN" altLang="en-US" sz="2000" dirty="0"/>
-              <a:t>接收消息</a:t>
-            </a:r>
-          </a:p>
-        </p:txBody>
-      </p:sp>
-      <p:sp>
-        <p:nvSpPr>
-          <p:cNvPr id="34" name="文本框 33">
-            <a:extLst>
-              <a:ext uri="{FF2B5EF4-FFF2-40B4-BE49-F238E27FC236}">
-                <a16:creationId xmlns:a16="http://schemas.microsoft.com/office/drawing/2014/main" id="{D29DB817-2B37-30FC-046C-1FAE5753222C}"/>
-              </a:ext>
-            </a:extLst>
-          </p:cNvPr>
-          <p:cNvSpPr txBox="1"/>
-          <p:nvPr/>
-        </p:nvSpPr>
-        <p:spPr>
-          <a:xfrm>
-            <a:off x="1594706" y="5100214"/>
-            <a:ext cx="4108817" cy="369332"/>
-          </a:xfrm>
-          <a:prstGeom prst="rect">
-            <a:avLst/>
-          </a:prstGeom>
-          <a:noFill/>
-        </p:spPr>
-        <p:txBody>
-          <a:bodyPr wrap="none" rtlCol="0">
-            <a:spAutoFit/>
-          </a:bodyPr>
-          <a:lstStyle/>
-          <a:p>
-            <a:r>
-              <a:rPr lang="zh-CN" altLang="en-US" dirty="0"/>
+              <a:rPr lang="zh-CN" altLang="en-US" sz="2500" dirty="0"/>
               <a:t>各节点达成按什么顺序处理消息的共识</a:t>
             </a:r>
           </a:p>
         </p:txBody>
       </p:sp>
-      <p:cxnSp>
-        <p:nvCxnSpPr>
-          <p:cNvPr id="36" name="直接箭头连接符 35">
-            <a:extLst>
-              <a:ext uri="{FF2B5EF4-FFF2-40B4-BE49-F238E27FC236}">
-                <a16:creationId xmlns:a16="http://schemas.microsoft.com/office/drawing/2014/main" id="{73AB693E-737E-6816-F1F1-493FE17C83E5}"/>
-              </a:ext>
-            </a:extLst>
-          </p:cNvPr>
-          <p:cNvCxnSpPr>
-            <a:cxnSpLocks/>
-            <a:stCxn id="34" idx="3"/>
-          </p:cNvCxnSpPr>
-          <p:nvPr/>
-        </p:nvCxnSpPr>
-        <p:spPr>
-          <a:xfrm flipV="1">
-            <a:off x="5703523" y="3948323"/>
-            <a:ext cx="1416575" cy="1336557"/>
-          </a:xfrm>
-          <a:prstGeom prst="straightConnector1">
-            <a:avLst/>
-          </a:prstGeom>
-          <a:ln w="28575">
-            <a:tailEnd type="triangle"/>
-          </a:ln>
-        </p:spPr>
-        <p:style>
-          <a:lnRef idx="1">
-            <a:schemeClr val="accent1"/>
-          </a:lnRef>
-          <a:fillRef idx="0">
-            <a:schemeClr val="accent1"/>
-          </a:fillRef>
-          <a:effectRef idx="0">
-            <a:schemeClr val="accent1"/>
-          </a:effectRef>
-          <a:fontRef idx="minor">
-            <a:schemeClr val="tx1"/>
-          </a:fontRef>
-        </p:style>
-      </p:cxnSp>
       <p:pic>
         <p:nvPicPr>
           <p:cNvPr id="40" name="图片 39">
@@ -5597,7 +3900,7 @@
           <p:nvPr/>
         </p:nvPicPr>
         <p:blipFill>
-          <a:blip r:embed="rId23"/>
+          <a:blip r:embed="rId11"/>
           <a:stretch>
             <a:fillRect/>
           </a:stretch>
@@ -5612,104 +3915,6 @@
           </a:prstGeom>
         </p:spPr>
       </p:pic>
-      <p:sp>
-        <p:nvSpPr>
-          <p:cNvPr id="2" name="箭头: 圆角右 1">
-            <a:extLst>
-              <a:ext uri="{FF2B5EF4-FFF2-40B4-BE49-F238E27FC236}">
-                <a16:creationId xmlns:a16="http://schemas.microsoft.com/office/drawing/2014/main" id="{83BAC9D8-7C11-2149-9B52-C20C234C31B2}"/>
-              </a:ext>
-            </a:extLst>
-          </p:cNvPr>
-          <p:cNvSpPr/>
-          <p:nvPr/>
-        </p:nvSpPr>
-        <p:spPr>
-          <a:xfrm>
-            <a:off x="5595229" y="2189535"/>
-            <a:ext cx="1425731" cy="951736"/>
-          </a:xfrm>
-          <a:prstGeom prst="bentArrow">
-            <a:avLst/>
-          </a:prstGeom>
-        </p:spPr>
-        <p:style>
-          <a:lnRef idx="2">
-            <a:schemeClr val="accent1">
-              <a:shade val="50000"/>
-            </a:schemeClr>
-          </a:lnRef>
-          <a:fillRef idx="1">
-            <a:schemeClr val="accent1"/>
-          </a:fillRef>
-          <a:effectRef idx="0">
-            <a:schemeClr val="accent1"/>
-          </a:effectRef>
-          <a:fontRef idx="minor">
-            <a:schemeClr val="lt1"/>
-          </a:fontRef>
-        </p:style>
-        <p:txBody>
-          <a:bodyPr rtlCol="0" anchor="ctr"/>
-          <a:lstStyle/>
-          <a:p>
-            <a:pPr algn="ctr"/>
-            <a:endParaRPr lang="zh-CN" altLang="en-US">
-              <a:solidFill>
-                <a:schemeClr val="tx1"/>
-              </a:solidFill>
-            </a:endParaRPr>
-          </a:p>
-        </p:txBody>
-      </p:sp>
-      <p:sp>
-        <p:nvSpPr>
-          <p:cNvPr id="7" name="矩形 6">
-            <a:extLst>
-              <a:ext uri="{FF2B5EF4-FFF2-40B4-BE49-F238E27FC236}">
-                <a16:creationId xmlns:a16="http://schemas.microsoft.com/office/drawing/2014/main" id="{3AA23A1D-3785-B0F9-04A5-768A7F1D15CD}"/>
-              </a:ext>
-            </a:extLst>
-          </p:cNvPr>
-          <p:cNvSpPr/>
-          <p:nvPr/>
-        </p:nvSpPr>
-        <p:spPr>
-          <a:xfrm>
-            <a:off x="8140883" y="825683"/>
-            <a:ext cx="1107996" cy="646331"/>
-          </a:xfrm>
-          <a:prstGeom prst="rect">
-            <a:avLst/>
-          </a:prstGeom>
-          <a:noFill/>
-        </p:spPr>
-        <p:txBody>
-          <a:bodyPr wrap="none" lIns="91440" tIns="45720" rIns="91440" bIns="45720">
-            <a:spAutoFit/>
-          </a:bodyPr>
-          <a:lstStyle/>
-          <a:p>
-            <a:pPr algn="ctr"/>
-            <a:r>
-              <a:rPr lang="zh-CN" altLang="en-US" sz="3600" dirty="0">
-                <a:ln w="0"/>
-                <a:solidFill>
-                  <a:schemeClr val="bg1"/>
-                </a:solidFill>
-                <a:effectLst>
-                  <a:outerShdw blurRad="38100" dist="25400" dir="5400000" algn="ctr" rotWithShape="0">
-                    <a:srgbClr val="6E747A">
-                      <a:alpha val="43000"/>
-                    </a:srgbClr>
-                  </a:outerShdw>
-                </a:effectLst>
-              </a:rPr>
-              <a:t>执行</a:t>
-            </a:r>
-          </a:p>
-        </p:txBody>
-      </p:sp>
     </p:spTree>
     <p:extLst>
       <p:ext uri="{BB962C8B-B14F-4D97-AF65-F5344CB8AC3E}">
@@ -5749,7 +3954,7 @@
                                     <p:cond delay="500"/>
                                   </p:stCondLst>
                                   <p:childTnLst>
-                                    <p:animMotion origin="layout" path="M 4.16667E-6 -3.33333E-6 L 0.07825 -0.32963 " pathEditMode="relative" rAng="0" ptsTypes="AA">
+                                    <p:animMotion origin="layout" path="M 4.16667E-6 -3.33333E-6 L 0.07812 -0.39328 " pathEditMode="relative" rAng="0" ptsTypes="AA">
                                       <p:cBhvr>
                                         <p:cTn id="6" dur="2000" fill="hold"/>
                                         <p:tgtEl>
@@ -5760,7 +3965,7 @@
                                           <p:attrName>ppt_y</p:attrName>
                                         </p:attrNameLst>
                                       </p:cBhvr>
-                                      <p:rCtr x="3906" y="-16481"/>
+                                      <p:rCtr x="3945" y="-19676"/>
                                     </p:animMotion>
                                   </p:childTnLst>
                                 </p:cTn>
@@ -5771,7 +3976,7 @@
                                     <p:cond delay="0"/>
                                   </p:stCondLst>
                                   <p:childTnLst>
-                                    <p:animMotion origin="layout" path="M 6.25E-7 4.07407E-6 L 0.03971 -0.33658 " pathEditMode="relative" rAng="0" ptsTypes="AA">
+                                    <p:animMotion origin="layout" path="M 6.25E-7 4.07407E-6 L 0.03672 -0.38055 " pathEditMode="relative" rAng="0" ptsTypes="AA">
                                       <p:cBhvr>
                                         <p:cTn id="8" dur="2000" fill="hold"/>
                                         <p:tgtEl>
@@ -5782,7 +3987,7 @@
                                           <p:attrName>ppt_y</p:attrName>
                                         </p:attrNameLst>
                                       </p:cBhvr>
-                                      <p:rCtr x="1979" y="-16829"/>
+                                      <p:rCtr x="1784" y="-18958"/>
                                     </p:animMotion>
                                   </p:childTnLst>
                                 </p:cTn>
@@ -5793,7 +3998,7 @@
                                     <p:cond delay="900"/>
                                   </p:stCondLst>
                                   <p:childTnLst>
-                                    <p:animMotion origin="layout" path="M 1.45833E-6 -2.96296E-6 L -0.24467 -0.24028 " pathEditMode="relative" rAng="0" ptsTypes="AA">
+                                    <p:animMotion origin="layout" path="M 1.45833E-6 0.06621 L -0.24636 -0.29166 " pathEditMode="relative" rAng="0" ptsTypes="AA">
                                       <p:cBhvr>
                                         <p:cTn id="10" dur="1900" fill="hold"/>
                                         <p:tgtEl>
@@ -5804,7 +4009,7 @@
                                           <p:attrName>ppt_y</p:attrName>
                                         </p:attrNameLst>
                                       </p:cBhvr>
-                                      <p:rCtr x="-12318" y="-11806"/>
+                                      <p:rCtr x="-12357" y="-17894"/>
                                     </p:animMotion>
                                   </p:childTnLst>
                                 </p:cTn>
@@ -5815,7 +4020,7 @@
                                     <p:cond delay="0"/>
                                   </p:stCondLst>
                                   <p:childTnLst>
-                                    <p:animMotion origin="layout" path="M -0.00365 0.00602 L 0.29323 -0.34606 " pathEditMode="relative" rAng="0" ptsTypes="AA">
+                                    <p:animMotion origin="layout" path="M 0 -1.85185E-6 L 0.29349 -0.41273 " pathEditMode="relative" rAng="0" ptsTypes="AA">
                                       <p:cBhvr>
                                         <p:cTn id="12" dur="1300" fill="hold"/>
                                         <p:tgtEl>
@@ -5826,7 +4031,7 @@
                                           <p:attrName>ppt_y</p:attrName>
                                         </p:attrNameLst>
                                       </p:cBhvr>
-                                      <p:rCtr x="14844" y="-17616"/>
+                                      <p:rCtr x="14714" y="-20370"/>
                                     </p:animMotion>
                                   </p:childTnLst>
                                 </p:cTn>
@@ -5837,7 +4042,7 @@
                                     <p:cond delay="2700"/>
                                   </p:stCondLst>
                                   <p:childTnLst>
-                                    <p:animMotion origin="layout" path="M 0.29323 -0.34606 L 0.29245 -0.54305 " pathEditMode="relative" rAng="0" ptsTypes="AA">
+                                    <p:animMotion origin="layout" path="M 0.29349 -0.41273 L 0.29245 -0.54305 " pathEditMode="relative" rAng="0" ptsTypes="AA">
                                       <p:cBhvr>
                                         <p:cTn id="14" dur="2000" fill="hold"/>
                                         <p:tgtEl>
@@ -5848,7 +4053,7 @@
                                           <p:attrName>ppt_y</p:attrName>
                                         </p:attrNameLst>
                                       </p:cBhvr>
-                                      <p:rCtr x="-39" y="-9861"/>
+                                      <p:rCtr x="-52" y="-6528"/>
                                     </p:animMotion>
                                   </p:childTnLst>
                                 </p:cTn>
@@ -5859,7 +4064,7 @@
                                     <p:cond delay="2700"/>
                                   </p:stCondLst>
                                   <p:childTnLst>
-                                    <p:animMotion origin="layout" path="M 0.07825 -0.32963 L 0.07747 -0.51365 " pathEditMode="relative" rAng="0" ptsTypes="AA">
+                                    <p:animMotion origin="layout" path="M 0.07812 -0.39328 L 0.07747 -0.51365 " pathEditMode="relative" rAng="0" ptsTypes="AA">
                                       <p:cBhvr>
                                         <p:cTn id="16" dur="2000" fill="hold"/>
                                         <p:tgtEl>
@@ -5870,7 +4075,7 @@
                                           <p:attrName>ppt_y</p:attrName>
                                         </p:attrNameLst>
                                       </p:cBhvr>
-                                      <p:rCtr x="-39" y="-9213"/>
+                                      <p:rCtr x="-39" y="-6019"/>
                                     </p:animMotion>
                                   </p:childTnLst>
                                 </p:cTn>
@@ -5881,7 +4086,7 @@
                                     <p:cond delay="2700"/>
                                   </p:stCondLst>
                                   <p:childTnLst>
-                                    <p:animMotion origin="layout" path="M 0.03971 -0.33658 L 0.03659 -0.50857 " pathEditMode="relative" rAng="0" ptsTypes="AA">
+                                    <p:animMotion origin="layout" path="M 0.03672 -0.38056 L 0.03659 -0.50857 " pathEditMode="relative" rAng="0" ptsTypes="AA">
                                       <p:cBhvr>
                                         <p:cTn id="18" dur="2000" fill="hold"/>
                                         <p:tgtEl>
@@ -5892,7 +4097,7 @@
                                           <p:attrName>ppt_y</p:attrName>
                                         </p:attrNameLst>
                                       </p:cBhvr>
-                                      <p:rCtr x="-156" y="-8611"/>
+                                      <p:rCtr x="-13" y="-6412"/>
                                     </p:animMotion>
                                   </p:childTnLst>
                                 </p:cTn>
@@ -5903,7 +4108,7 @@
                                     <p:cond delay="2700"/>
                                   </p:stCondLst>
                                   <p:childTnLst>
-                                    <p:animMotion origin="layout" path="M -0.24466 -0.24027 L -0.24779 -0.4081 " pathEditMode="relative" rAng="0" ptsTypes="AA">
+                                    <p:animMotion origin="layout" path="M -0.24636 -0.29166 L -0.24779 -0.4081 " pathEditMode="relative" rAng="0" ptsTypes="AA">
                                       <p:cBhvr>
                                         <p:cTn id="20" dur="2000" fill="hold"/>
                                         <p:tgtEl>
@@ -5914,7 +4119,7 @@
                                           <p:attrName>ppt_y</p:attrName>
                                         </p:attrNameLst>
                                       </p:cBhvr>
-                                      <p:rCtr x="-156" y="-8403"/>
+                                      <p:rCtr x="-78" y="-5833"/>
                                     </p:animMotion>
                                   </p:childTnLst>
                                 </p:cTn>
@@ -5987,7 +4192,7 @@
                                     <p:cond delay="0"/>
                                   </p:stCondLst>
                                   <p:childTnLst>
-                                    <p:animMotion origin="layout" path="M 0.29245 -0.54306 C 0.25638 -0.55533 0.21615 -0.53171 0.18008 -0.54468 C 0.15547 -0.55255 0.14375 -0.60533 0.14362 -0.62222 C 0.14284 -0.64236 0.1457 -0.69421 0.1694 -0.70857 C 0.2043 -0.73079 0.25924 -0.72593 0.30156 -0.72778 " pathEditMode="relative" rAng="10560000" ptsTypes="AAAAA">
+                                    <p:animMotion origin="layout" path="M 0.29244 -0.54306 C 0.25716 -0.55 0.21731 -0.53218 0.1819 -0.53982 C 0.15781 -0.54421 0.147 -0.5794 0.14687 -0.59097 C 0.14635 -0.60463 0.14987 -0.63982 0.17343 -0.6507 C 0.20807 -0.66713 0.26211 -0.66574 0.30377 -0.66875 " pathEditMode="relative" rAng="10560000" ptsTypes="AAAAA">
                                       <p:cBhvr>
                                         <p:cTn id="28" dur="1200" fill="hold"/>
                                         <p:tgtEl>
@@ -5998,7 +4203,7 @@
                                           <p:attrName>ppt_y</p:attrName>
                                         </p:attrNameLst>
                                       </p:cBhvr>
-                                      <p:rCtr x="-6810" y="-8681"/>
+                                      <p:rCtr x="-6589" y="-5625"/>
                                     </p:animMotion>
                                   </p:childTnLst>
                                 </p:cTn>
@@ -6009,7 +4214,7 @@
                                     <p:cond delay="500"/>
                                   </p:stCondLst>
                                   <p:childTnLst>
-                                    <p:animMotion origin="layout" path="M 0.12006 -0.50972 C 0.08217 -0.51134 -0.01471 -0.48541 -0.03437 -0.50787 C -0.04752 -0.52176 -0.06602 -0.54791 -0.06588 -0.5831 C -0.06848 -0.62384 -0.06223 -0.65301 -0.04895 -0.6669 C -0.02929 -0.68912 0.0806 -0.68356 0.13021 -0.68241 " pathEditMode="relative" rAng="10800000" ptsTypes="AAAAA">
+                                    <p:animMotion origin="layout" path="M 0.12005 -0.50972 C 0.06992 -0.51088 -0.05807 -0.4926 -0.08398 -0.50857 C -0.10143 -0.51829 -0.12578 -0.53658 -0.12565 -0.56135 C -0.12904 -0.59005 -0.1207 -0.61042 -0.10326 -0.62014 C -0.07721 -0.63588 0.06784 -0.63195 0.1332 -0.63102 " pathEditMode="relative" rAng="10800000" ptsTypes="AAAAA">
                                       <p:cBhvr>
                                         <p:cTn id="30" dur="1100" fill="hold"/>
                                         <p:tgtEl>
@@ -6020,7 +4225,7 @@
                                           <p:attrName>ppt_y</p:attrName>
                                         </p:attrNameLst>
                                       </p:cBhvr>
-                                      <p:rCtr x="-8815" y="-8171"/>
+                                      <p:rCtr x="-11667" y="-5718"/>
                                     </p:animMotion>
                                   </p:childTnLst>
                                 </p:cTn>
@@ -6031,7 +4236,7 @@
                                     <p:cond delay="300"/>
                                   </p:stCondLst>
                                   <p:childTnLst>
-                                    <p:animMotion origin="layout" path="M -0.00599 -0.5125 C -0.06419 -0.50579 -0.09375 -0.49098 -0.13008 -0.51343 C -0.15417 -0.52709 -0.18034 -0.57987 -0.17839 -0.6088 C -0.1763 -0.63774 -0.14193 -0.67362 -0.11784 -0.68727 C -0.08151 -0.70973 -0.03451 -0.68843 0.00729 -0.68774 " pathEditMode="relative" rAng="10800000" ptsTypes="AAAAA">
+                                    <p:animMotion origin="layout" path="M -0.00599 -0.5125 C -0.07448 -0.50787 -0.10925 -0.49792 -0.15196 -0.51296 C -0.18034 -0.52222 -0.21107 -0.55764 -0.20899 -0.57708 C -0.20651 -0.5963 -0.16602 -0.62037 -0.13763 -0.62963 C -0.0948 -0.64468 -0.03959 -0.63032 0.0095 -0.62986 " pathEditMode="relative" rAng="10800000" ptsTypes="AAAAA">
                                       <p:cBhvr>
                                         <p:cTn id="32" dur="1100" fill="hold"/>
                                         <p:tgtEl>
@@ -6042,7 +4247,7 @@
                                           <p:attrName>ppt_y</p:attrName>
                                         </p:attrNameLst>
                                       </p:cBhvr>
-                                      <p:rCtr x="-7956" y="-8704"/>
+                                      <p:rCtr x="-9375" y="-5810"/>
                                     </p:animMotion>
                                   </p:childTnLst>
                                 </p:cTn>
@@ -6053,7 +4258,7 @@
                                     <p:cond delay="700"/>
                                   </p:stCondLst>
                                   <p:childTnLst>
-                                    <p:animMotion origin="layout" path="M -0.24779 -0.4081 C -0.28789 -0.40694 -0.35781 -0.39167 -0.3957 -0.41412 C -0.42096 -0.42824 -0.45612 -0.47454 -0.45469 -0.50555 C -0.45339 -0.5368 -0.43672 -0.57963 -0.41146 -0.59421 C -0.3737 -0.61667 -0.27982 -0.58403 -0.24154 -0.58032 " pathEditMode="relative" rAng="10800000" ptsTypes="AAAAA">
+                                    <p:animMotion origin="layout" path="M -0.24779 -0.4081 C -0.30079 -0.40741 -0.39323 -0.39676 -0.44336 -0.41227 C -0.4767 -0.42199 -0.52318 -0.4537 -0.52149 -0.47523 C -0.51967 -0.49653 -0.49766 -0.52616 -0.4642 -0.53611 C -0.41433 -0.55162 -0.29024 -0.52917 -0.23972 -0.52662 " pathEditMode="relative" rAng="10800000" ptsTypes="AAAAA">
                                       <p:cBhvr>
                                         <p:cTn id="34" dur="1100" fill="hold"/>
                                         <p:tgtEl>
@@ -6064,7 +4269,7 @@
                                           <p:attrName>ppt_y</p:attrName>
                                         </p:attrNameLst>
                                       </p:cBhvr>
-                                      <p:rCtr x="-10039" y="-9398"/>
+                                      <p:rCtr x="-13281" y="-6435"/>
                                     </p:animMotion>
                                   </p:childTnLst>
                                 </p:cTn>
